--- a/Ford 360° Exterior Lighting System.pptx
+++ b/Ford 360° Exterior Lighting System.pptx
@@ -9,6 +9,13 @@
     <p:sldId id="257" r:id="rId3"/>
     <p:sldId id="258" r:id="rId4"/>
     <p:sldId id="259" r:id="rId5"/>
+    <p:sldId id="261" r:id="rId6"/>
+    <p:sldId id="272" r:id="rId7"/>
+    <p:sldId id="262" r:id="rId8"/>
+    <p:sldId id="273" r:id="rId9"/>
+    <p:sldId id="264" r:id="rId10"/>
+    <p:sldId id="265" r:id="rId11"/>
+    <p:sldId id="267" r:id="rId12"/>
   </p:sldIdLst>
   <p:sldSz cx="12192000" cy="6858000"/>
   <p:notesSz cx="6858000" cy="9144000"/>
@@ -107,6 +114,11 @@
       </a:defRPr>
     </a:lvl9pPr>
   </p:defaultTextStyle>
+  <p:extLst>
+    <p:ext uri="{EFAFB233-063F-42B5-8137-9DF3F51BA10A}">
+      <p15:sldGuideLst xmlns:p15="http://schemas.microsoft.com/office/powerpoint/2012/main"/>
+    </p:ext>
+  </p:extLst>
 </p:presentation>
 </file>
 
@@ -3476,6 +3488,875 @@
   <p:clrMapOvr>
     <a:masterClrMapping/>
   </p:clrMapOvr>
+  <p:timing>
+    <p:tnLst>
+      <p:par>
+        <p:cTn id="1" dur="indefinite" restart="never" nodeType="tmRoot"/>
+      </p:par>
+    </p:tnLst>
+  </p:timing>
+</p:sld>
+</file>
+
+<file path=ppt/slides/slide10.xml><?xml version="1.0" encoding="utf-8"?>
+<p:sld xmlns:a="http://schemas.openxmlformats.org/drawingml/2006/main" xmlns:r="http://schemas.openxmlformats.org/officeDocument/2006/relationships" xmlns:p="http://schemas.openxmlformats.org/presentationml/2006/main">
+  <p:cSld>
+    <p:spTree>
+      <p:nvGrpSpPr>
+        <p:cNvPr id="1" name=""/>
+        <p:cNvGrpSpPr/>
+        <p:nvPr/>
+      </p:nvGrpSpPr>
+      <p:grpSpPr>
+        <a:xfrm>
+          <a:off x="0" y="0"/>
+          <a:ext cx="0" cy="0"/>
+          <a:chOff x="0" y="0"/>
+          <a:chExt cx="0" cy="0"/>
+        </a:xfrm>
+      </p:grpSpPr>
+      <p:sp>
+        <p:nvSpPr>
+          <p:cNvPr id="2" name="Title 1"/>
+          <p:cNvSpPr>
+            <a:spLocks noGrp="1"/>
+          </p:cNvSpPr>
+          <p:nvPr>
+            <p:ph type="title"/>
+          </p:nvPr>
+        </p:nvSpPr>
+        <p:spPr/>
+        <p:txBody>
+          <a:bodyPr/>
+          <a:lstStyle/>
+          <a:p>
+            <a:r>
+              <a:rPr lang="en-US" dirty="0" smtClean="0">
+                <a:latin typeface="Times New Roman" panose="02020603050405020304" pitchFamily="18" charset="0"/>
+                <a:cs typeface="Times New Roman" panose="02020603050405020304" pitchFamily="18" charset="0"/>
+              </a:rPr>
+              <a:t>Cellular Components</a:t>
+            </a:r>
+            <a:endParaRPr lang="en-US" dirty="0">
+              <a:latin typeface="Times New Roman" panose="02020603050405020304" pitchFamily="18" charset="0"/>
+              <a:cs typeface="Times New Roman" panose="02020603050405020304" pitchFamily="18" charset="0"/>
+            </a:endParaRPr>
+          </a:p>
+        </p:txBody>
+      </p:sp>
+      <p:pic>
+        <p:nvPicPr>
+          <p:cNvPr id="8" name="Content Placeholder 7"/>
+          <p:cNvPicPr>
+            <a:picLocks noGrp="1" noChangeAspect="1"/>
+          </p:cNvPicPr>
+          <p:nvPr>
+            <p:ph idx="1"/>
+          </p:nvPr>
+        </p:nvPicPr>
+        <p:blipFill rotWithShape="1">
+          <a:blip r:embed="rId2"/>
+          <a:srcRect l="16435" t="14958" r="13809" b="2444"/>
+          <a:stretch/>
+        </p:blipFill>
+        <p:spPr>
+          <a:xfrm>
+            <a:off x="8318500" y="1573210"/>
+            <a:ext cx="3035300" cy="3594101"/>
+          </a:xfrm>
+          <a:prstGeom prst="rect">
+            <a:avLst/>
+          </a:prstGeom>
+        </p:spPr>
+      </p:pic>
+      <p:sp>
+        <p:nvSpPr>
+          <p:cNvPr id="4" name="Isosceles Triangle 3"/>
+          <p:cNvSpPr/>
+          <p:nvPr/>
+        </p:nvSpPr>
+        <p:spPr>
+          <a:xfrm>
+            <a:off x="0" y="5715000"/>
+            <a:ext cx="1143000" cy="1143000"/>
+          </a:xfrm>
+          <a:prstGeom prst="triangle">
+            <a:avLst>
+              <a:gd name="adj" fmla="val 0"/>
+            </a:avLst>
+          </a:prstGeom>
+          <a:gradFill flip="none" rotWithShape="1">
+            <a:gsLst>
+              <a:gs pos="0">
+                <a:srgbClr val="0070C0">
+                  <a:shade val="30000"/>
+                  <a:satMod val="115000"/>
+                </a:srgbClr>
+              </a:gs>
+              <a:gs pos="50000">
+                <a:srgbClr val="0070C0">
+                  <a:shade val="67500"/>
+                  <a:satMod val="115000"/>
+                </a:srgbClr>
+              </a:gs>
+              <a:gs pos="100000">
+                <a:srgbClr val="0070C0">
+                  <a:shade val="100000"/>
+                  <a:satMod val="115000"/>
+                </a:srgbClr>
+              </a:gs>
+            </a:gsLst>
+            <a:lin ang="2700000" scaled="1"/>
+            <a:tileRect/>
+          </a:gradFill>
+        </p:spPr>
+        <p:style>
+          <a:lnRef idx="2">
+            <a:schemeClr val="accent1">
+              <a:shade val="50000"/>
+            </a:schemeClr>
+          </a:lnRef>
+          <a:fillRef idx="1">
+            <a:schemeClr val="accent1"/>
+          </a:fillRef>
+          <a:effectRef idx="0">
+            <a:schemeClr val="accent1"/>
+          </a:effectRef>
+          <a:fontRef idx="minor">
+            <a:schemeClr val="lt1"/>
+          </a:fontRef>
+        </p:style>
+        <p:txBody>
+          <a:bodyPr rtlCol="0" anchor="ctr"/>
+          <a:lstStyle/>
+          <a:p>
+            <a:pPr algn="ctr"/>
+            <a:endParaRPr lang="en-US"/>
+          </a:p>
+        </p:txBody>
+      </p:sp>
+      <p:sp>
+        <p:nvSpPr>
+          <p:cNvPr id="5" name="Isosceles Triangle 4"/>
+          <p:cNvSpPr/>
+          <p:nvPr/>
+        </p:nvSpPr>
+        <p:spPr>
+          <a:xfrm rot="5400000">
+            <a:off x="0" y="0"/>
+            <a:ext cx="1143000" cy="1143000"/>
+          </a:xfrm>
+          <a:prstGeom prst="triangle">
+            <a:avLst>
+              <a:gd name="adj" fmla="val 0"/>
+            </a:avLst>
+          </a:prstGeom>
+          <a:gradFill flip="none" rotWithShape="1">
+            <a:gsLst>
+              <a:gs pos="0">
+                <a:srgbClr val="0070C0">
+                  <a:shade val="30000"/>
+                  <a:satMod val="115000"/>
+                </a:srgbClr>
+              </a:gs>
+              <a:gs pos="50000">
+                <a:srgbClr val="0070C0">
+                  <a:shade val="67500"/>
+                  <a:satMod val="115000"/>
+                </a:srgbClr>
+              </a:gs>
+              <a:gs pos="100000">
+                <a:srgbClr val="0070C0">
+                  <a:shade val="100000"/>
+                  <a:satMod val="115000"/>
+                </a:srgbClr>
+              </a:gs>
+            </a:gsLst>
+            <a:lin ang="2700000" scaled="1"/>
+            <a:tileRect/>
+          </a:gradFill>
+        </p:spPr>
+        <p:style>
+          <a:lnRef idx="2">
+            <a:schemeClr val="accent1">
+              <a:shade val="50000"/>
+            </a:schemeClr>
+          </a:lnRef>
+          <a:fillRef idx="1">
+            <a:schemeClr val="accent1"/>
+          </a:fillRef>
+          <a:effectRef idx="0">
+            <a:schemeClr val="accent1"/>
+          </a:effectRef>
+          <a:fontRef idx="minor">
+            <a:schemeClr val="lt1"/>
+          </a:fontRef>
+        </p:style>
+        <p:txBody>
+          <a:bodyPr rtlCol="0" anchor="ctr"/>
+          <a:lstStyle/>
+          <a:p>
+            <a:pPr algn="ctr"/>
+            <a:endParaRPr lang="en-US"/>
+          </a:p>
+        </p:txBody>
+      </p:sp>
+      <p:sp>
+        <p:nvSpPr>
+          <p:cNvPr id="6" name="Isosceles Triangle 5"/>
+          <p:cNvSpPr/>
+          <p:nvPr/>
+        </p:nvSpPr>
+        <p:spPr>
+          <a:xfrm rot="16200000">
+            <a:off x="11049000" y="5715000"/>
+            <a:ext cx="1143000" cy="1143000"/>
+          </a:xfrm>
+          <a:prstGeom prst="triangle">
+            <a:avLst>
+              <a:gd name="adj" fmla="val 0"/>
+            </a:avLst>
+          </a:prstGeom>
+          <a:gradFill flip="none" rotWithShape="1">
+            <a:gsLst>
+              <a:gs pos="0">
+                <a:srgbClr val="0070C0">
+                  <a:shade val="30000"/>
+                  <a:satMod val="115000"/>
+                </a:srgbClr>
+              </a:gs>
+              <a:gs pos="50000">
+                <a:srgbClr val="0070C0">
+                  <a:shade val="67500"/>
+                  <a:satMod val="115000"/>
+                </a:srgbClr>
+              </a:gs>
+              <a:gs pos="100000">
+                <a:srgbClr val="0070C0">
+                  <a:shade val="100000"/>
+                  <a:satMod val="115000"/>
+                </a:srgbClr>
+              </a:gs>
+            </a:gsLst>
+            <a:lin ang="2700000" scaled="1"/>
+            <a:tileRect/>
+          </a:gradFill>
+        </p:spPr>
+        <p:style>
+          <a:lnRef idx="2">
+            <a:schemeClr val="accent1">
+              <a:shade val="50000"/>
+            </a:schemeClr>
+          </a:lnRef>
+          <a:fillRef idx="1">
+            <a:schemeClr val="accent1"/>
+          </a:fillRef>
+          <a:effectRef idx="0">
+            <a:schemeClr val="accent1"/>
+          </a:effectRef>
+          <a:fontRef idx="minor">
+            <a:schemeClr val="lt1"/>
+          </a:fontRef>
+        </p:style>
+        <p:txBody>
+          <a:bodyPr rtlCol="0" anchor="ctr"/>
+          <a:lstStyle/>
+          <a:p>
+            <a:pPr algn="ctr"/>
+            <a:endParaRPr lang="en-US"/>
+          </a:p>
+        </p:txBody>
+      </p:sp>
+      <p:sp>
+        <p:nvSpPr>
+          <p:cNvPr id="7" name="Isosceles Triangle 6"/>
+          <p:cNvSpPr/>
+          <p:nvPr/>
+        </p:nvSpPr>
+        <p:spPr>
+          <a:xfrm rot="10800000">
+            <a:off x="11049000" y="0"/>
+            <a:ext cx="1143000" cy="1143000"/>
+          </a:xfrm>
+          <a:prstGeom prst="triangle">
+            <a:avLst>
+              <a:gd name="adj" fmla="val 0"/>
+            </a:avLst>
+          </a:prstGeom>
+          <a:gradFill flip="none" rotWithShape="1">
+            <a:gsLst>
+              <a:gs pos="0">
+                <a:srgbClr val="0070C0">
+                  <a:shade val="30000"/>
+                  <a:satMod val="115000"/>
+                </a:srgbClr>
+              </a:gs>
+              <a:gs pos="50000">
+                <a:srgbClr val="0070C0">
+                  <a:shade val="67500"/>
+                  <a:satMod val="115000"/>
+                </a:srgbClr>
+              </a:gs>
+              <a:gs pos="100000">
+                <a:srgbClr val="0070C0">
+                  <a:shade val="100000"/>
+                  <a:satMod val="115000"/>
+                </a:srgbClr>
+              </a:gs>
+            </a:gsLst>
+            <a:lin ang="2700000" scaled="1"/>
+            <a:tileRect/>
+          </a:gradFill>
+        </p:spPr>
+        <p:style>
+          <a:lnRef idx="2">
+            <a:schemeClr val="accent1">
+              <a:shade val="50000"/>
+            </a:schemeClr>
+          </a:lnRef>
+          <a:fillRef idx="1">
+            <a:schemeClr val="accent1"/>
+          </a:fillRef>
+          <a:effectRef idx="0">
+            <a:schemeClr val="accent1"/>
+          </a:effectRef>
+          <a:fontRef idx="minor">
+            <a:schemeClr val="lt1"/>
+          </a:fontRef>
+        </p:style>
+        <p:txBody>
+          <a:bodyPr rtlCol="0" anchor="ctr"/>
+          <a:lstStyle/>
+          <a:p>
+            <a:pPr algn="ctr"/>
+            <a:endParaRPr lang="en-US"/>
+          </a:p>
+        </p:txBody>
+      </p:sp>
+      <p:sp>
+        <p:nvSpPr>
+          <p:cNvPr id="9" name="TextBox 8"/>
+          <p:cNvSpPr txBox="1"/>
+          <p:nvPr/>
+        </p:nvSpPr>
+        <p:spPr>
+          <a:xfrm>
+            <a:off x="8564435" y="5207167"/>
+            <a:ext cx="2543430" cy="369332"/>
+          </a:xfrm>
+          <a:prstGeom prst="rect">
+            <a:avLst/>
+          </a:prstGeom>
+          <a:noFill/>
+        </p:spPr>
+        <p:txBody>
+          <a:bodyPr wrap="square" rtlCol="0">
+            <a:spAutoFit/>
+          </a:bodyPr>
+          <a:lstStyle/>
+          <a:p>
+            <a:pPr algn="ctr"/>
+            <a:r>
+              <a:rPr lang="en-US" dirty="0" smtClean="0">
+                <a:latin typeface="Times New Roman" panose="02020603050405020304" pitchFamily="18" charset="0"/>
+                <a:cs typeface="Times New Roman" panose="02020603050405020304" pitchFamily="18" charset="0"/>
+              </a:rPr>
+              <a:t>Motorola G3</a:t>
+            </a:r>
+            <a:endParaRPr lang="en-US" dirty="0">
+              <a:latin typeface="Times New Roman" panose="02020603050405020304" pitchFamily="18" charset="0"/>
+              <a:cs typeface="Times New Roman" panose="02020603050405020304" pitchFamily="18" charset="0"/>
+            </a:endParaRPr>
+          </a:p>
+        </p:txBody>
+      </p:sp>
+      <p:pic>
+        <p:nvPicPr>
+          <p:cNvPr id="10" name="Picture 9"/>
+          <p:cNvPicPr>
+            <a:picLocks noChangeAspect="1"/>
+          </p:cNvPicPr>
+          <p:nvPr/>
+        </p:nvPicPr>
+        <p:blipFill>
+          <a:blip r:embed="rId3"/>
+          <a:stretch>
+            <a:fillRect/>
+          </a:stretch>
+        </p:blipFill>
+        <p:spPr>
+          <a:xfrm>
+            <a:off x="850900" y="1796255"/>
+            <a:ext cx="3048000" cy="3048000"/>
+          </a:xfrm>
+          <a:prstGeom prst="rect">
+            <a:avLst/>
+          </a:prstGeom>
+        </p:spPr>
+      </p:pic>
+      <p:sp>
+        <p:nvSpPr>
+          <p:cNvPr id="11" name="TextBox 10"/>
+          <p:cNvSpPr txBox="1"/>
+          <p:nvPr/>
+        </p:nvSpPr>
+        <p:spPr>
+          <a:xfrm>
+            <a:off x="1244600" y="5068668"/>
+            <a:ext cx="2543430" cy="646331"/>
+          </a:xfrm>
+          <a:prstGeom prst="rect">
+            <a:avLst/>
+          </a:prstGeom>
+          <a:noFill/>
+        </p:spPr>
+        <p:txBody>
+          <a:bodyPr wrap="square" rtlCol="0">
+            <a:spAutoFit/>
+          </a:bodyPr>
+          <a:lstStyle/>
+          <a:p>
+            <a:pPr algn="ctr"/>
+            <a:r>
+              <a:rPr lang="en-US" dirty="0" err="1" smtClean="0">
+                <a:latin typeface="Times New Roman" panose="02020603050405020304" pitchFamily="18" charset="0"/>
+                <a:cs typeface="Times New Roman" panose="02020603050405020304" pitchFamily="18" charset="0"/>
+              </a:rPr>
+              <a:t>NimbeLink</a:t>
+            </a:r>
+            <a:r>
+              <a:rPr lang="en-US" dirty="0" smtClean="0">
+                <a:latin typeface="Times New Roman" panose="02020603050405020304" pitchFamily="18" charset="0"/>
+                <a:cs typeface="Times New Roman" panose="02020603050405020304" pitchFamily="18" charset="0"/>
+              </a:rPr>
+              <a:t> </a:t>
+            </a:r>
+            <a:endParaRPr lang="en-US" dirty="0">
+              <a:latin typeface="Times New Roman" panose="02020603050405020304" pitchFamily="18" charset="0"/>
+              <a:cs typeface="Times New Roman" panose="02020603050405020304" pitchFamily="18" charset="0"/>
+            </a:endParaRPr>
+          </a:p>
+          <a:p>
+            <a:pPr algn="ctr"/>
+            <a:r>
+              <a:rPr lang="en-US" dirty="0" smtClean="0">
+                <a:latin typeface="Times New Roman" panose="02020603050405020304" pitchFamily="18" charset="0"/>
+                <a:cs typeface="Times New Roman" panose="02020603050405020304" pitchFamily="18" charset="0"/>
+              </a:rPr>
+              <a:t>NL-SW-LTE-GELS3-B  </a:t>
+            </a:r>
+            <a:endParaRPr lang="en-US" dirty="0">
+              <a:latin typeface="Times New Roman" panose="02020603050405020304" pitchFamily="18" charset="0"/>
+              <a:cs typeface="Times New Roman" panose="02020603050405020304" pitchFamily="18" charset="0"/>
+            </a:endParaRPr>
+          </a:p>
+        </p:txBody>
+      </p:sp>
+      <p:pic>
+        <p:nvPicPr>
+          <p:cNvPr id="13" name="Picture 12"/>
+          <p:cNvPicPr>
+            <a:picLocks noChangeAspect="1"/>
+          </p:cNvPicPr>
+          <p:nvPr/>
+        </p:nvPicPr>
+        <p:blipFill rotWithShape="1">
+          <a:blip r:embed="rId4"/>
+          <a:srcRect l="209" t="39375" r="24999" b="1250"/>
+          <a:stretch/>
+        </p:blipFill>
+        <p:spPr>
+          <a:xfrm>
+            <a:off x="4286537" y="1967704"/>
+            <a:ext cx="3533457" cy="2805112"/>
+          </a:xfrm>
+          <a:prstGeom prst="rect">
+            <a:avLst/>
+          </a:prstGeom>
+          <a:scene3d>
+            <a:camera prst="orthographicFront">
+              <a:rot lat="299973" lon="21599992" rev="21599986"/>
+            </a:camera>
+            <a:lightRig rig="threePt" dir="t"/>
+          </a:scene3d>
+        </p:spPr>
+      </p:pic>
+      <p:sp>
+        <p:nvSpPr>
+          <p:cNvPr id="14" name="TextBox 13"/>
+          <p:cNvSpPr txBox="1"/>
+          <p:nvPr/>
+        </p:nvSpPr>
+        <p:spPr>
+          <a:xfrm>
+            <a:off x="4781550" y="5207167"/>
+            <a:ext cx="2543430" cy="369332"/>
+          </a:xfrm>
+          <a:prstGeom prst="rect">
+            <a:avLst/>
+          </a:prstGeom>
+          <a:noFill/>
+        </p:spPr>
+        <p:txBody>
+          <a:bodyPr wrap="square" rtlCol="0">
+            <a:spAutoFit/>
+          </a:bodyPr>
+          <a:lstStyle/>
+          <a:p>
+            <a:pPr algn="ctr"/>
+            <a:r>
+              <a:rPr lang="en-US" dirty="0" smtClean="0">
+                <a:latin typeface="Times New Roman" panose="02020603050405020304" pitchFamily="18" charset="0"/>
+                <a:cs typeface="Times New Roman" panose="02020603050405020304" pitchFamily="18" charset="0"/>
+              </a:rPr>
+              <a:t>ATA6617 w/ ATTiny167</a:t>
+            </a:r>
+            <a:endParaRPr lang="en-US" dirty="0">
+              <a:latin typeface="Times New Roman" panose="02020603050405020304" pitchFamily="18" charset="0"/>
+              <a:cs typeface="Times New Roman" panose="02020603050405020304" pitchFamily="18" charset="0"/>
+            </a:endParaRPr>
+          </a:p>
+        </p:txBody>
+      </p:sp>
+    </p:spTree>
+    <p:extLst>
+      <p:ext uri="{BB962C8B-B14F-4D97-AF65-F5344CB8AC3E}">
+        <p14:creationId xmlns:p14="http://schemas.microsoft.com/office/powerpoint/2010/main" val="1899363373"/>
+      </p:ext>
+    </p:extLst>
+  </p:cSld>
+  <p:clrMapOvr>
+    <a:masterClrMapping/>
+  </p:clrMapOvr>
+</p:sld>
+</file>
+
+<file path=ppt/slides/slide11.xml><?xml version="1.0" encoding="utf-8"?>
+<p:sld xmlns:a="http://schemas.openxmlformats.org/drawingml/2006/main" xmlns:r="http://schemas.openxmlformats.org/officeDocument/2006/relationships" xmlns:p="http://schemas.openxmlformats.org/presentationml/2006/main">
+  <p:cSld>
+    <p:spTree>
+      <p:nvGrpSpPr>
+        <p:cNvPr id="1" name=""/>
+        <p:cNvGrpSpPr/>
+        <p:nvPr/>
+      </p:nvGrpSpPr>
+      <p:grpSpPr>
+        <a:xfrm>
+          <a:off x="0" y="0"/>
+          <a:ext cx="0" cy="0"/>
+          <a:chOff x="0" y="0"/>
+          <a:chExt cx="0" cy="0"/>
+        </a:xfrm>
+      </p:grpSpPr>
+      <p:sp>
+        <p:nvSpPr>
+          <p:cNvPr id="2" name="Title 1"/>
+          <p:cNvSpPr>
+            <a:spLocks noGrp="1"/>
+          </p:cNvSpPr>
+          <p:nvPr>
+            <p:ph type="title"/>
+          </p:nvPr>
+        </p:nvSpPr>
+        <p:spPr>
+          <a:xfrm>
+            <a:off x="685800" y="2766218"/>
+            <a:ext cx="10515600" cy="1325563"/>
+          </a:xfrm>
+        </p:spPr>
+        <p:txBody>
+          <a:bodyPr/>
+          <a:lstStyle/>
+          <a:p>
+            <a:pPr algn="ctr"/>
+            <a:r>
+              <a:rPr lang="en-US" dirty="0" smtClean="0">
+                <a:latin typeface="Times New Roman" panose="02020603050405020304" pitchFamily="18" charset="0"/>
+                <a:cs typeface="Times New Roman" panose="02020603050405020304" pitchFamily="18" charset="0"/>
+              </a:rPr>
+              <a:t>Demonstration</a:t>
+            </a:r>
+            <a:endParaRPr lang="en-US" dirty="0">
+              <a:latin typeface="Times New Roman" panose="02020603050405020304" pitchFamily="18" charset="0"/>
+              <a:cs typeface="Times New Roman" panose="02020603050405020304" pitchFamily="18" charset="0"/>
+            </a:endParaRPr>
+          </a:p>
+        </p:txBody>
+      </p:sp>
+      <p:sp>
+        <p:nvSpPr>
+          <p:cNvPr id="4" name="Isosceles Triangle 3"/>
+          <p:cNvSpPr/>
+          <p:nvPr/>
+        </p:nvSpPr>
+        <p:spPr>
+          <a:xfrm>
+            <a:off x="0" y="5715000"/>
+            <a:ext cx="1143000" cy="1143000"/>
+          </a:xfrm>
+          <a:prstGeom prst="triangle">
+            <a:avLst>
+              <a:gd name="adj" fmla="val 0"/>
+            </a:avLst>
+          </a:prstGeom>
+          <a:gradFill flip="none" rotWithShape="1">
+            <a:gsLst>
+              <a:gs pos="0">
+                <a:srgbClr val="0070C0">
+                  <a:shade val="30000"/>
+                  <a:satMod val="115000"/>
+                </a:srgbClr>
+              </a:gs>
+              <a:gs pos="50000">
+                <a:srgbClr val="0070C0">
+                  <a:shade val="67500"/>
+                  <a:satMod val="115000"/>
+                </a:srgbClr>
+              </a:gs>
+              <a:gs pos="100000">
+                <a:srgbClr val="0070C0">
+                  <a:shade val="100000"/>
+                  <a:satMod val="115000"/>
+                </a:srgbClr>
+              </a:gs>
+            </a:gsLst>
+            <a:lin ang="2700000" scaled="1"/>
+            <a:tileRect/>
+          </a:gradFill>
+        </p:spPr>
+        <p:style>
+          <a:lnRef idx="2">
+            <a:schemeClr val="accent1">
+              <a:shade val="50000"/>
+            </a:schemeClr>
+          </a:lnRef>
+          <a:fillRef idx="1">
+            <a:schemeClr val="accent1"/>
+          </a:fillRef>
+          <a:effectRef idx="0">
+            <a:schemeClr val="accent1"/>
+          </a:effectRef>
+          <a:fontRef idx="minor">
+            <a:schemeClr val="lt1"/>
+          </a:fontRef>
+        </p:style>
+        <p:txBody>
+          <a:bodyPr rtlCol="0" anchor="ctr"/>
+          <a:lstStyle/>
+          <a:p>
+            <a:pPr algn="ctr"/>
+            <a:endParaRPr lang="en-US"/>
+          </a:p>
+        </p:txBody>
+      </p:sp>
+      <p:sp>
+        <p:nvSpPr>
+          <p:cNvPr id="5" name="Isosceles Triangle 4"/>
+          <p:cNvSpPr/>
+          <p:nvPr/>
+        </p:nvSpPr>
+        <p:spPr>
+          <a:xfrm rot="5400000">
+            <a:off x="0" y="0"/>
+            <a:ext cx="1143000" cy="1143000"/>
+          </a:xfrm>
+          <a:prstGeom prst="triangle">
+            <a:avLst>
+              <a:gd name="adj" fmla="val 0"/>
+            </a:avLst>
+          </a:prstGeom>
+          <a:gradFill flip="none" rotWithShape="1">
+            <a:gsLst>
+              <a:gs pos="0">
+                <a:srgbClr val="0070C0">
+                  <a:shade val="30000"/>
+                  <a:satMod val="115000"/>
+                </a:srgbClr>
+              </a:gs>
+              <a:gs pos="50000">
+                <a:srgbClr val="0070C0">
+                  <a:shade val="67500"/>
+                  <a:satMod val="115000"/>
+                </a:srgbClr>
+              </a:gs>
+              <a:gs pos="100000">
+                <a:srgbClr val="0070C0">
+                  <a:shade val="100000"/>
+                  <a:satMod val="115000"/>
+                </a:srgbClr>
+              </a:gs>
+            </a:gsLst>
+            <a:lin ang="2700000" scaled="1"/>
+            <a:tileRect/>
+          </a:gradFill>
+        </p:spPr>
+        <p:style>
+          <a:lnRef idx="2">
+            <a:schemeClr val="accent1">
+              <a:shade val="50000"/>
+            </a:schemeClr>
+          </a:lnRef>
+          <a:fillRef idx="1">
+            <a:schemeClr val="accent1"/>
+          </a:fillRef>
+          <a:effectRef idx="0">
+            <a:schemeClr val="accent1"/>
+          </a:effectRef>
+          <a:fontRef idx="minor">
+            <a:schemeClr val="lt1"/>
+          </a:fontRef>
+        </p:style>
+        <p:txBody>
+          <a:bodyPr rtlCol="0" anchor="ctr"/>
+          <a:lstStyle/>
+          <a:p>
+            <a:pPr algn="ctr"/>
+            <a:endParaRPr lang="en-US"/>
+          </a:p>
+        </p:txBody>
+      </p:sp>
+      <p:sp>
+        <p:nvSpPr>
+          <p:cNvPr id="6" name="Isosceles Triangle 5"/>
+          <p:cNvSpPr/>
+          <p:nvPr/>
+        </p:nvSpPr>
+        <p:spPr>
+          <a:xfrm rot="16200000">
+            <a:off x="11049000" y="5715000"/>
+            <a:ext cx="1143000" cy="1143000"/>
+          </a:xfrm>
+          <a:prstGeom prst="triangle">
+            <a:avLst>
+              <a:gd name="adj" fmla="val 0"/>
+            </a:avLst>
+          </a:prstGeom>
+          <a:gradFill flip="none" rotWithShape="1">
+            <a:gsLst>
+              <a:gs pos="0">
+                <a:srgbClr val="0070C0">
+                  <a:shade val="30000"/>
+                  <a:satMod val="115000"/>
+                </a:srgbClr>
+              </a:gs>
+              <a:gs pos="50000">
+                <a:srgbClr val="0070C0">
+                  <a:shade val="67500"/>
+                  <a:satMod val="115000"/>
+                </a:srgbClr>
+              </a:gs>
+              <a:gs pos="100000">
+                <a:srgbClr val="0070C0">
+                  <a:shade val="100000"/>
+                  <a:satMod val="115000"/>
+                </a:srgbClr>
+              </a:gs>
+            </a:gsLst>
+            <a:lin ang="2700000" scaled="1"/>
+            <a:tileRect/>
+          </a:gradFill>
+        </p:spPr>
+        <p:style>
+          <a:lnRef idx="2">
+            <a:schemeClr val="accent1">
+              <a:shade val="50000"/>
+            </a:schemeClr>
+          </a:lnRef>
+          <a:fillRef idx="1">
+            <a:schemeClr val="accent1"/>
+          </a:fillRef>
+          <a:effectRef idx="0">
+            <a:schemeClr val="accent1"/>
+          </a:effectRef>
+          <a:fontRef idx="minor">
+            <a:schemeClr val="lt1"/>
+          </a:fontRef>
+        </p:style>
+        <p:txBody>
+          <a:bodyPr rtlCol="0" anchor="ctr"/>
+          <a:lstStyle/>
+          <a:p>
+            <a:pPr algn="ctr"/>
+            <a:endParaRPr lang="en-US"/>
+          </a:p>
+        </p:txBody>
+      </p:sp>
+      <p:sp>
+        <p:nvSpPr>
+          <p:cNvPr id="7" name="Isosceles Triangle 6"/>
+          <p:cNvSpPr/>
+          <p:nvPr/>
+        </p:nvSpPr>
+        <p:spPr>
+          <a:xfrm rot="10800000">
+            <a:off x="11049000" y="0"/>
+            <a:ext cx="1143000" cy="1143000"/>
+          </a:xfrm>
+          <a:prstGeom prst="triangle">
+            <a:avLst>
+              <a:gd name="adj" fmla="val 0"/>
+            </a:avLst>
+          </a:prstGeom>
+          <a:gradFill flip="none" rotWithShape="1">
+            <a:gsLst>
+              <a:gs pos="0">
+                <a:srgbClr val="0070C0">
+                  <a:shade val="30000"/>
+                  <a:satMod val="115000"/>
+                </a:srgbClr>
+              </a:gs>
+              <a:gs pos="50000">
+                <a:srgbClr val="0070C0">
+                  <a:shade val="67500"/>
+                  <a:satMod val="115000"/>
+                </a:srgbClr>
+              </a:gs>
+              <a:gs pos="100000">
+                <a:srgbClr val="0070C0">
+                  <a:shade val="100000"/>
+                  <a:satMod val="115000"/>
+                </a:srgbClr>
+              </a:gs>
+            </a:gsLst>
+            <a:lin ang="2700000" scaled="1"/>
+            <a:tileRect/>
+          </a:gradFill>
+        </p:spPr>
+        <p:style>
+          <a:lnRef idx="2">
+            <a:schemeClr val="accent1">
+              <a:shade val="50000"/>
+            </a:schemeClr>
+          </a:lnRef>
+          <a:fillRef idx="1">
+            <a:schemeClr val="accent1"/>
+          </a:fillRef>
+          <a:effectRef idx="0">
+            <a:schemeClr val="accent1"/>
+          </a:effectRef>
+          <a:fontRef idx="minor">
+            <a:schemeClr val="lt1"/>
+          </a:fontRef>
+        </p:style>
+        <p:txBody>
+          <a:bodyPr rtlCol="0" anchor="ctr"/>
+          <a:lstStyle/>
+          <a:p>
+            <a:pPr algn="ctr"/>
+            <a:endParaRPr lang="en-US"/>
+          </a:p>
+        </p:txBody>
+      </p:sp>
+    </p:spTree>
+    <p:extLst>
+      <p:ext uri="{BB962C8B-B14F-4D97-AF65-F5344CB8AC3E}">
+        <p14:creationId xmlns:p14="http://schemas.microsoft.com/office/powerpoint/2010/main" val="2005360918"/>
+      </p:ext>
+    </p:extLst>
+  </p:cSld>
+  <p:clrMapOvr>
+    <a:masterClrMapping/>
+  </p:clrMapOvr>
 </p:sld>
 </file>
 
@@ -3538,7 +4419,7 @@
         <p:spPr/>
         <p:txBody>
           <a:bodyPr>
-            <a:normAutofit lnSpcReduction="10000"/>
+            <a:normAutofit/>
           </a:bodyPr>
           <a:lstStyle/>
           <a:p>
@@ -3547,17 +4428,19 @@
                 <a:latin typeface="Times New Roman" panose="02020603050405020304" pitchFamily="18" charset="0"/>
                 <a:cs typeface="Times New Roman" panose="02020603050405020304" pitchFamily="18" charset="0"/>
               </a:rPr>
-              <a:t>Project Description</a:t>
-            </a:r>
-          </a:p>
-          <a:p>
+              <a:t>Project </a:t>
+            </a:r>
             <a:r>
               <a:rPr lang="en-US" dirty="0" smtClean="0">
                 <a:latin typeface="Times New Roman" panose="02020603050405020304" pitchFamily="18" charset="0"/>
                 <a:cs typeface="Times New Roman" panose="02020603050405020304" pitchFamily="18" charset="0"/>
               </a:rPr>
-              <a:t>Approach</a:t>
-            </a:r>
+              <a:t>Description</a:t>
+            </a:r>
+            <a:endParaRPr lang="en-US" dirty="0" smtClean="0">
+              <a:latin typeface="Times New Roman" panose="02020603050405020304" pitchFamily="18" charset="0"/>
+              <a:cs typeface="Times New Roman" panose="02020603050405020304" pitchFamily="18" charset="0"/>
+            </a:endParaRPr>
           </a:p>
           <a:p>
             <a:r>
@@ -3898,6 +4781,13 @@
   <p:clrMapOvr>
     <a:masterClrMapping/>
   </p:clrMapOvr>
+  <p:timing>
+    <p:tnLst>
+      <p:par>
+        <p:cTn id="1" dur="indefinite" restart="never" nodeType="tmRoot"/>
+      </p:par>
+    </p:tnLst>
+  </p:timing>
 </p:sld>
 </file>
 
@@ -3963,16 +4853,32 @@
           <a:lstStyle/>
           <a:p>
             <a:r>
-              <a:rPr lang="en-US" dirty="0" smtClean="0">
+              <a:rPr lang="en-US" sz="2400" dirty="0" smtClean="0">
                 <a:latin typeface="Times New Roman" panose="02020603050405020304" pitchFamily="18" charset="0"/>
                 <a:cs typeface="Times New Roman" panose="02020603050405020304" pitchFamily="18" charset="0"/>
               </a:rPr>
-              <a:t>The project was to construct an exterior lighting system prototype for a Ford truck.</a:t>
-            </a:r>
-          </a:p>
-          <a:p>
-            <a:r>
-              <a:rPr lang="en-US" dirty="0" smtClean="0">
+              <a:t>The project was to construct an exterior lighting system prototype for a Ford truck</a:t>
+            </a:r>
+            <a:r>
+              <a:rPr lang="en-US" sz="2400" dirty="0" smtClean="0">
+                <a:latin typeface="Times New Roman" panose="02020603050405020304" pitchFamily="18" charset="0"/>
+                <a:cs typeface="Times New Roman" panose="02020603050405020304" pitchFamily="18" charset="0"/>
+              </a:rPr>
+              <a:t>.</a:t>
+            </a:r>
+          </a:p>
+          <a:p>
+            <a:pPr marL="0" indent="0">
+              <a:buNone/>
+            </a:pPr>
+            <a:endParaRPr lang="en-US" sz="2400" dirty="0" smtClean="0">
+              <a:latin typeface="Times New Roman" panose="02020603050405020304" pitchFamily="18" charset="0"/>
+              <a:cs typeface="Times New Roman" panose="02020603050405020304" pitchFamily="18" charset="0"/>
+            </a:endParaRPr>
+          </a:p>
+          <a:p>
+            <a:r>
+              <a:rPr lang="en-US" sz="2400" dirty="0" smtClean="0">
                 <a:latin typeface="Times New Roman" panose="02020603050405020304" pitchFamily="18" charset="0"/>
                 <a:cs typeface="Times New Roman" panose="02020603050405020304" pitchFamily="18" charset="0"/>
               </a:rPr>
@@ -3982,7 +4888,7 @@
           <a:p>
             <a:pPr lvl="1"/>
             <a:r>
-              <a:rPr lang="en-US" dirty="0" smtClean="0">
+              <a:rPr lang="en-US" sz="2000" dirty="0" smtClean="0">
                 <a:latin typeface="Times New Roman" panose="02020603050405020304" pitchFamily="18" charset="0"/>
                 <a:cs typeface="Times New Roman" panose="02020603050405020304" pitchFamily="18" charset="0"/>
               </a:rPr>
@@ -3992,7 +4898,7 @@
           <a:p>
             <a:pPr lvl="1"/>
             <a:r>
-              <a:rPr lang="en-US" dirty="0" smtClean="0">
+              <a:rPr lang="en-US" sz="2000" dirty="0" smtClean="0">
                 <a:latin typeface="Times New Roman" panose="02020603050405020304" pitchFamily="18" charset="0"/>
                 <a:cs typeface="Times New Roman" panose="02020603050405020304" pitchFamily="18" charset="0"/>
               </a:rPr>
@@ -4002,7 +4908,7 @@
           <a:p>
             <a:pPr lvl="1"/>
             <a:r>
-              <a:rPr lang="en-US" dirty="0" smtClean="0">
+              <a:rPr lang="en-US" sz="2000" dirty="0" smtClean="0">
                 <a:latin typeface="Times New Roman" panose="02020603050405020304" pitchFamily="18" charset="0"/>
                 <a:cs typeface="Times New Roman" panose="02020603050405020304" pitchFamily="18" charset="0"/>
               </a:rPr>
@@ -4012,7 +4918,7 @@
           <a:p>
             <a:pPr lvl="1"/>
             <a:r>
-              <a:rPr lang="en-US" dirty="0" smtClean="0">
+              <a:rPr lang="en-US" sz="2000" dirty="0" smtClean="0">
                 <a:latin typeface="Times New Roman" panose="02020603050405020304" pitchFamily="18" charset="0"/>
                 <a:cs typeface="Times New Roman" panose="02020603050405020304" pitchFamily="18" charset="0"/>
               </a:rPr>
@@ -4022,7 +4928,7 @@
           <a:p>
             <a:pPr lvl="1"/>
             <a:r>
-              <a:rPr lang="en-US" dirty="0" smtClean="0">
+              <a:rPr lang="en-US" sz="2000" dirty="0" smtClean="0">
                 <a:latin typeface="Times New Roman" panose="02020603050405020304" pitchFamily="18" charset="0"/>
                 <a:cs typeface="Times New Roman" panose="02020603050405020304" pitchFamily="18" charset="0"/>
               </a:rPr>
@@ -4312,6 +5218,13 @@
   <p:clrMapOvr>
     <a:masterClrMapping/>
   </p:clrMapOvr>
+  <p:timing>
+    <p:tnLst>
+      <p:par>
+        <p:cTn id="1" dur="indefinite" restart="never" nodeType="tmRoot"/>
+      </p:par>
+    </p:tnLst>
+  </p:timing>
 </p:sld>
 </file>
 
@@ -4332,53 +5245,35 @@
           <a:chExt cx="0" cy="0"/>
         </a:xfrm>
       </p:grpSpPr>
-      <p:sp>
-        <p:nvSpPr>
-          <p:cNvPr id="2" name="Title 1"/>
-          <p:cNvSpPr>
-            <a:spLocks noGrp="1"/>
-          </p:cNvSpPr>
-          <p:nvPr>
-            <p:ph type="title"/>
-          </p:nvPr>
-        </p:nvSpPr>
-        <p:spPr/>
-        <p:txBody>
-          <a:bodyPr/>
-          <a:lstStyle/>
-          <a:p>
-            <a:endParaRPr lang="en-US">
-              <a:latin typeface="Times New Roman" panose="02020603050405020304" pitchFamily="18" charset="0"/>
-              <a:cs typeface="Times New Roman" panose="02020603050405020304" pitchFamily="18" charset="0"/>
-            </a:endParaRPr>
-          </a:p>
-        </p:txBody>
-      </p:sp>
-      <p:sp>
-        <p:nvSpPr>
-          <p:cNvPr id="3" name="Content Placeholder 2"/>
-          <p:cNvSpPr>
-            <a:spLocks noGrp="1"/>
-          </p:cNvSpPr>
+      <p:pic>
+        <p:nvPicPr>
+          <p:cNvPr id="4" name="Content Placeholder 3"/>
+          <p:cNvPicPr>
+            <a:picLocks noGrp="1" noChangeAspect="1"/>
+          </p:cNvPicPr>
           <p:nvPr>
             <p:ph idx="1"/>
           </p:nvPr>
-        </p:nvSpPr>
-        <p:spPr/>
-        <p:txBody>
-          <a:bodyPr/>
-          <a:lstStyle/>
-          <a:p>
-            <a:endParaRPr lang="en-US">
-              <a:latin typeface="Times New Roman" panose="02020603050405020304" pitchFamily="18" charset="0"/>
-              <a:cs typeface="Times New Roman" panose="02020603050405020304" pitchFamily="18" charset="0"/>
-            </a:endParaRPr>
-          </a:p>
-        </p:txBody>
-      </p:sp>
-      <p:sp>
-        <p:nvSpPr>
-          <p:cNvPr id="4" name="Isosceles Triangle 3"/>
+        </p:nvPicPr>
+        <p:blipFill>
+          <a:blip r:embed="rId2"/>
+          <a:stretch>
+            <a:fillRect/>
+          </a:stretch>
+        </p:blipFill>
+        <p:spPr>
+          <a:xfrm>
+            <a:off x="508000" y="8871"/>
+            <a:ext cx="11231783" cy="6849129"/>
+          </a:xfrm>
+          <a:prstGeom prst="rect">
+            <a:avLst/>
+          </a:prstGeom>
+        </p:spPr>
+      </p:pic>
+      <p:sp>
+        <p:nvSpPr>
+          <p:cNvPr id="5" name="Isosceles Triangle 4"/>
           <p:cNvSpPr/>
           <p:nvPr/>
         </p:nvSpPr>
@@ -4444,7 +5339,7 @@
       </p:sp>
       <p:sp>
         <p:nvSpPr>
-          <p:cNvPr id="5" name="Isosceles Triangle 4"/>
+          <p:cNvPr id="6" name="Isosceles Triangle 5"/>
           <p:cNvSpPr/>
           <p:nvPr/>
         </p:nvSpPr>
@@ -4510,7 +5405,7 @@
       </p:sp>
       <p:sp>
         <p:nvSpPr>
-          <p:cNvPr id="6" name="Isosceles Triangle 5"/>
+          <p:cNvPr id="7" name="Isosceles Triangle 6"/>
           <p:cNvSpPr/>
           <p:nvPr/>
         </p:nvSpPr>
@@ -4576,7 +5471,7 @@
       </p:sp>
       <p:sp>
         <p:nvSpPr>
-          <p:cNvPr id="7" name="Isosceles Triangle 6"/>
+          <p:cNvPr id="8" name="Isosceles Triangle 7"/>
           <p:cNvSpPr/>
           <p:nvPr/>
         </p:nvSpPr>
@@ -4640,10 +5535,2239 @@
           </a:p>
         </p:txBody>
       </p:sp>
+      <p:sp>
+        <p:nvSpPr>
+          <p:cNvPr id="9" name="Title 1"/>
+          <p:cNvSpPr>
+            <a:spLocks noGrp="1"/>
+          </p:cNvSpPr>
+          <p:nvPr>
+            <p:ph type="title"/>
+          </p:nvPr>
+        </p:nvSpPr>
+        <p:spPr>
+          <a:xfrm>
+            <a:off x="838200" y="365125"/>
+            <a:ext cx="10515600" cy="1325563"/>
+          </a:xfrm>
+        </p:spPr>
+        <p:txBody>
+          <a:bodyPr/>
+          <a:lstStyle/>
+          <a:p>
+            <a:r>
+              <a:rPr lang="en-US" dirty="0" smtClean="0">
+                <a:latin typeface="Times New Roman" panose="02020603050405020304" pitchFamily="18" charset="0"/>
+                <a:cs typeface="Times New Roman" panose="02020603050405020304" pitchFamily="18" charset="0"/>
+              </a:rPr>
+              <a:t>Architecture</a:t>
+            </a:r>
+            <a:endParaRPr lang="en-US" dirty="0">
+              <a:latin typeface="Times New Roman" panose="02020603050405020304" pitchFamily="18" charset="0"/>
+              <a:cs typeface="Times New Roman" panose="02020603050405020304" pitchFamily="18" charset="0"/>
+            </a:endParaRPr>
+          </a:p>
+        </p:txBody>
+      </p:sp>
     </p:spTree>
     <p:extLst>
       <p:ext uri="{BB962C8B-B14F-4D97-AF65-F5344CB8AC3E}">
-        <p14:creationId xmlns:p14="http://schemas.microsoft.com/office/powerpoint/2010/main" val="774134128"/>
+        <p14:creationId xmlns:p14="http://schemas.microsoft.com/office/powerpoint/2010/main" val="3580139268"/>
+      </p:ext>
+    </p:extLst>
+  </p:cSld>
+  <p:clrMapOvr>
+    <a:masterClrMapping/>
+  </p:clrMapOvr>
+  <p:timing>
+    <p:tnLst>
+      <p:par>
+        <p:cTn id="1" dur="indefinite" restart="never" nodeType="tmRoot"/>
+      </p:par>
+    </p:tnLst>
+  </p:timing>
+</p:sld>
+</file>
+
+<file path=ppt/slides/slide5.xml><?xml version="1.0" encoding="utf-8"?>
+<p:sld xmlns:a="http://schemas.openxmlformats.org/drawingml/2006/main" xmlns:r="http://schemas.openxmlformats.org/officeDocument/2006/relationships" xmlns:p="http://schemas.openxmlformats.org/presentationml/2006/main">
+  <p:cSld>
+    <p:spTree>
+      <p:nvGrpSpPr>
+        <p:cNvPr id="1" name=""/>
+        <p:cNvGrpSpPr/>
+        <p:nvPr/>
+      </p:nvGrpSpPr>
+      <p:grpSpPr>
+        <a:xfrm>
+          <a:off x="0" y="0"/>
+          <a:ext cx="0" cy="0"/>
+          <a:chOff x="0" y="0"/>
+          <a:chExt cx="0" cy="0"/>
+        </a:xfrm>
+      </p:grpSpPr>
+      <p:sp>
+        <p:nvSpPr>
+          <p:cNvPr id="2" name="Title 1"/>
+          <p:cNvSpPr>
+            <a:spLocks noGrp="1"/>
+          </p:cNvSpPr>
+          <p:nvPr>
+            <p:ph type="title"/>
+          </p:nvPr>
+        </p:nvSpPr>
+        <p:spPr/>
+        <p:txBody>
+          <a:bodyPr/>
+          <a:lstStyle/>
+          <a:p>
+            <a:r>
+              <a:rPr lang="en-US" dirty="0" smtClean="0">
+                <a:latin typeface="Times New Roman" panose="02020603050405020304" pitchFamily="18" charset="0"/>
+                <a:cs typeface="Times New Roman" panose="02020603050405020304" pitchFamily="18" charset="0"/>
+              </a:rPr>
+              <a:t>LIN (Local Interconnect) Sub-network</a:t>
+            </a:r>
+            <a:endParaRPr lang="en-US" dirty="0">
+              <a:latin typeface="Times New Roman" panose="02020603050405020304" pitchFamily="18" charset="0"/>
+              <a:cs typeface="Times New Roman" panose="02020603050405020304" pitchFamily="18" charset="0"/>
+            </a:endParaRPr>
+          </a:p>
+        </p:txBody>
+      </p:sp>
+      <p:sp>
+        <p:nvSpPr>
+          <p:cNvPr id="3" name="Content Placeholder 2"/>
+          <p:cNvSpPr>
+            <a:spLocks noGrp="1"/>
+          </p:cNvSpPr>
+          <p:nvPr>
+            <p:ph idx="1"/>
+          </p:nvPr>
+        </p:nvSpPr>
+        <p:spPr/>
+        <p:txBody>
+          <a:bodyPr>
+            <a:normAutofit fontScale="92500" lnSpcReduction="20000"/>
+          </a:bodyPr>
+          <a:lstStyle/>
+          <a:p>
+            <a:r>
+              <a:rPr lang="en-US" dirty="0" smtClean="0">
+                <a:latin typeface="Times New Roman" panose="02020603050405020304" pitchFamily="18" charset="0"/>
+                <a:cs typeface="Times New Roman" panose="02020603050405020304" pitchFamily="18" charset="0"/>
+              </a:rPr>
+              <a:t>The LIN protocol was used between the master node and multiple slave node to communicate with a each other</a:t>
+            </a:r>
+          </a:p>
+          <a:p>
+            <a:r>
+              <a:rPr lang="en-US" dirty="0" smtClean="0">
+                <a:latin typeface="Times New Roman" panose="02020603050405020304" pitchFamily="18" charset="0"/>
+                <a:cs typeface="Times New Roman" panose="02020603050405020304" pitchFamily="18" charset="0"/>
+              </a:rPr>
+              <a:t>LIN was chosen as it is cheap, single wire communication and is a common protocol used for vehicle subsystems where the range of CAN is not required</a:t>
+            </a:r>
+          </a:p>
+          <a:p>
+            <a:r>
+              <a:rPr lang="en-US" dirty="0" smtClean="0">
+                <a:latin typeface="Times New Roman" panose="02020603050405020304" pitchFamily="18" charset="0"/>
+                <a:cs typeface="Times New Roman" panose="02020603050405020304" pitchFamily="18" charset="0"/>
+              </a:rPr>
+              <a:t>The LIN sub-network consists of 9 nodes (max 16) that talk to a single master node</a:t>
+            </a:r>
+          </a:p>
+          <a:p>
+            <a:r>
+              <a:rPr lang="en-US" dirty="0" smtClean="0">
+                <a:latin typeface="Times New Roman" panose="02020603050405020304" pitchFamily="18" charset="0"/>
+                <a:cs typeface="Times New Roman" panose="02020603050405020304" pitchFamily="18" charset="0"/>
+              </a:rPr>
+              <a:t>Master node is an Atmel ATTiny167 </a:t>
+            </a:r>
+          </a:p>
+          <a:p>
+            <a:r>
+              <a:rPr lang="en-US" dirty="0" smtClean="0">
+                <a:latin typeface="Times New Roman" panose="02020603050405020304" pitchFamily="18" charset="0"/>
+                <a:cs typeface="Times New Roman" panose="02020603050405020304" pitchFamily="18" charset="0"/>
+              </a:rPr>
+              <a:t>Slave nodes are custom made PCBs that are mounted on the test frame along with a servo and LED module</a:t>
+            </a:r>
+          </a:p>
+          <a:p>
+            <a:r>
+              <a:rPr lang="en-US" dirty="0" smtClean="0">
+                <a:latin typeface="Times New Roman" panose="02020603050405020304" pitchFamily="18" charset="0"/>
+                <a:cs typeface="Times New Roman" panose="02020603050405020304" pitchFamily="18" charset="0"/>
+              </a:rPr>
+              <a:t>7 180° servos (</a:t>
+            </a:r>
+            <a:r>
+              <a:rPr lang="en-US" dirty="0" err="1" smtClean="0">
+                <a:latin typeface="Times New Roman" panose="02020603050405020304" pitchFamily="18" charset="0"/>
+                <a:cs typeface="Times New Roman" panose="02020603050405020304" pitchFamily="18" charset="0"/>
+              </a:rPr>
+              <a:t>TowerPro</a:t>
+            </a:r>
+            <a:r>
+              <a:rPr lang="en-US" dirty="0" smtClean="0">
+                <a:latin typeface="Times New Roman" panose="02020603050405020304" pitchFamily="18" charset="0"/>
+                <a:cs typeface="Times New Roman" panose="02020603050405020304" pitchFamily="18" charset="0"/>
+              </a:rPr>
+              <a:t> MG995)</a:t>
+            </a:r>
+          </a:p>
+          <a:p>
+            <a:r>
+              <a:rPr lang="en-US" dirty="0" smtClean="0">
+                <a:latin typeface="Times New Roman" panose="02020603050405020304" pitchFamily="18" charset="0"/>
+                <a:cs typeface="Times New Roman" panose="02020603050405020304" pitchFamily="18" charset="0"/>
+              </a:rPr>
+              <a:t>9 Light Modules (Cree XML) </a:t>
+            </a:r>
+          </a:p>
+        </p:txBody>
+      </p:sp>
+      <p:sp>
+        <p:nvSpPr>
+          <p:cNvPr id="4" name="Isosceles Triangle 3"/>
+          <p:cNvSpPr/>
+          <p:nvPr/>
+        </p:nvSpPr>
+        <p:spPr>
+          <a:xfrm>
+            <a:off x="0" y="5715000"/>
+            <a:ext cx="1143000" cy="1143000"/>
+          </a:xfrm>
+          <a:prstGeom prst="triangle">
+            <a:avLst>
+              <a:gd name="adj" fmla="val 0"/>
+            </a:avLst>
+          </a:prstGeom>
+          <a:gradFill flip="none" rotWithShape="1">
+            <a:gsLst>
+              <a:gs pos="0">
+                <a:srgbClr val="0070C0">
+                  <a:shade val="30000"/>
+                  <a:satMod val="115000"/>
+                </a:srgbClr>
+              </a:gs>
+              <a:gs pos="50000">
+                <a:srgbClr val="0070C0">
+                  <a:shade val="67500"/>
+                  <a:satMod val="115000"/>
+                </a:srgbClr>
+              </a:gs>
+              <a:gs pos="100000">
+                <a:srgbClr val="0070C0">
+                  <a:shade val="100000"/>
+                  <a:satMod val="115000"/>
+                </a:srgbClr>
+              </a:gs>
+            </a:gsLst>
+            <a:lin ang="2700000" scaled="1"/>
+            <a:tileRect/>
+          </a:gradFill>
+        </p:spPr>
+        <p:style>
+          <a:lnRef idx="2">
+            <a:schemeClr val="accent1">
+              <a:shade val="50000"/>
+            </a:schemeClr>
+          </a:lnRef>
+          <a:fillRef idx="1">
+            <a:schemeClr val="accent1"/>
+          </a:fillRef>
+          <a:effectRef idx="0">
+            <a:schemeClr val="accent1"/>
+          </a:effectRef>
+          <a:fontRef idx="minor">
+            <a:schemeClr val="lt1"/>
+          </a:fontRef>
+        </p:style>
+        <p:txBody>
+          <a:bodyPr rtlCol="0" anchor="ctr"/>
+          <a:lstStyle/>
+          <a:p>
+            <a:pPr algn="ctr"/>
+            <a:endParaRPr lang="en-US"/>
+          </a:p>
+        </p:txBody>
+      </p:sp>
+      <p:sp>
+        <p:nvSpPr>
+          <p:cNvPr id="5" name="Isosceles Triangle 4"/>
+          <p:cNvSpPr/>
+          <p:nvPr/>
+        </p:nvSpPr>
+        <p:spPr>
+          <a:xfrm rot="5400000">
+            <a:off x="0" y="0"/>
+            <a:ext cx="1143000" cy="1143000"/>
+          </a:xfrm>
+          <a:prstGeom prst="triangle">
+            <a:avLst>
+              <a:gd name="adj" fmla="val 0"/>
+            </a:avLst>
+          </a:prstGeom>
+          <a:gradFill flip="none" rotWithShape="1">
+            <a:gsLst>
+              <a:gs pos="0">
+                <a:srgbClr val="0070C0">
+                  <a:shade val="30000"/>
+                  <a:satMod val="115000"/>
+                </a:srgbClr>
+              </a:gs>
+              <a:gs pos="50000">
+                <a:srgbClr val="0070C0">
+                  <a:shade val="67500"/>
+                  <a:satMod val="115000"/>
+                </a:srgbClr>
+              </a:gs>
+              <a:gs pos="100000">
+                <a:srgbClr val="0070C0">
+                  <a:shade val="100000"/>
+                  <a:satMod val="115000"/>
+                </a:srgbClr>
+              </a:gs>
+            </a:gsLst>
+            <a:lin ang="2700000" scaled="1"/>
+            <a:tileRect/>
+          </a:gradFill>
+        </p:spPr>
+        <p:style>
+          <a:lnRef idx="2">
+            <a:schemeClr val="accent1">
+              <a:shade val="50000"/>
+            </a:schemeClr>
+          </a:lnRef>
+          <a:fillRef idx="1">
+            <a:schemeClr val="accent1"/>
+          </a:fillRef>
+          <a:effectRef idx="0">
+            <a:schemeClr val="accent1"/>
+          </a:effectRef>
+          <a:fontRef idx="minor">
+            <a:schemeClr val="lt1"/>
+          </a:fontRef>
+        </p:style>
+        <p:txBody>
+          <a:bodyPr rtlCol="0" anchor="ctr"/>
+          <a:lstStyle/>
+          <a:p>
+            <a:pPr algn="ctr"/>
+            <a:endParaRPr lang="en-US"/>
+          </a:p>
+        </p:txBody>
+      </p:sp>
+      <p:sp>
+        <p:nvSpPr>
+          <p:cNvPr id="6" name="Isosceles Triangle 5"/>
+          <p:cNvSpPr/>
+          <p:nvPr/>
+        </p:nvSpPr>
+        <p:spPr>
+          <a:xfrm rot="16200000">
+            <a:off x="11049000" y="5715000"/>
+            <a:ext cx="1143000" cy="1143000"/>
+          </a:xfrm>
+          <a:prstGeom prst="triangle">
+            <a:avLst>
+              <a:gd name="adj" fmla="val 0"/>
+            </a:avLst>
+          </a:prstGeom>
+          <a:gradFill flip="none" rotWithShape="1">
+            <a:gsLst>
+              <a:gs pos="0">
+                <a:srgbClr val="0070C0">
+                  <a:shade val="30000"/>
+                  <a:satMod val="115000"/>
+                </a:srgbClr>
+              </a:gs>
+              <a:gs pos="50000">
+                <a:srgbClr val="0070C0">
+                  <a:shade val="67500"/>
+                  <a:satMod val="115000"/>
+                </a:srgbClr>
+              </a:gs>
+              <a:gs pos="100000">
+                <a:srgbClr val="0070C0">
+                  <a:shade val="100000"/>
+                  <a:satMod val="115000"/>
+                </a:srgbClr>
+              </a:gs>
+            </a:gsLst>
+            <a:lin ang="2700000" scaled="1"/>
+            <a:tileRect/>
+          </a:gradFill>
+        </p:spPr>
+        <p:style>
+          <a:lnRef idx="2">
+            <a:schemeClr val="accent1">
+              <a:shade val="50000"/>
+            </a:schemeClr>
+          </a:lnRef>
+          <a:fillRef idx="1">
+            <a:schemeClr val="accent1"/>
+          </a:fillRef>
+          <a:effectRef idx="0">
+            <a:schemeClr val="accent1"/>
+          </a:effectRef>
+          <a:fontRef idx="minor">
+            <a:schemeClr val="lt1"/>
+          </a:fontRef>
+        </p:style>
+        <p:txBody>
+          <a:bodyPr rtlCol="0" anchor="ctr"/>
+          <a:lstStyle/>
+          <a:p>
+            <a:pPr algn="ctr"/>
+            <a:endParaRPr lang="en-US"/>
+          </a:p>
+        </p:txBody>
+      </p:sp>
+      <p:sp>
+        <p:nvSpPr>
+          <p:cNvPr id="7" name="Isosceles Triangle 6"/>
+          <p:cNvSpPr/>
+          <p:nvPr/>
+        </p:nvSpPr>
+        <p:spPr>
+          <a:xfrm rot="10800000">
+            <a:off x="11049000" y="0"/>
+            <a:ext cx="1143000" cy="1143000"/>
+          </a:xfrm>
+          <a:prstGeom prst="triangle">
+            <a:avLst>
+              <a:gd name="adj" fmla="val 0"/>
+            </a:avLst>
+          </a:prstGeom>
+          <a:gradFill flip="none" rotWithShape="1">
+            <a:gsLst>
+              <a:gs pos="0">
+                <a:srgbClr val="0070C0">
+                  <a:shade val="30000"/>
+                  <a:satMod val="115000"/>
+                </a:srgbClr>
+              </a:gs>
+              <a:gs pos="50000">
+                <a:srgbClr val="0070C0">
+                  <a:shade val="67500"/>
+                  <a:satMod val="115000"/>
+                </a:srgbClr>
+              </a:gs>
+              <a:gs pos="100000">
+                <a:srgbClr val="0070C0">
+                  <a:shade val="100000"/>
+                  <a:satMod val="115000"/>
+                </a:srgbClr>
+              </a:gs>
+            </a:gsLst>
+            <a:lin ang="2700000" scaled="1"/>
+            <a:tileRect/>
+          </a:gradFill>
+        </p:spPr>
+        <p:style>
+          <a:lnRef idx="2">
+            <a:schemeClr val="accent1">
+              <a:shade val="50000"/>
+            </a:schemeClr>
+          </a:lnRef>
+          <a:fillRef idx="1">
+            <a:schemeClr val="accent1"/>
+          </a:fillRef>
+          <a:effectRef idx="0">
+            <a:schemeClr val="accent1"/>
+          </a:effectRef>
+          <a:fontRef idx="minor">
+            <a:schemeClr val="lt1"/>
+          </a:fontRef>
+        </p:style>
+        <p:txBody>
+          <a:bodyPr rtlCol="0" anchor="ctr"/>
+          <a:lstStyle/>
+          <a:p>
+            <a:pPr algn="ctr"/>
+            <a:endParaRPr lang="en-US"/>
+          </a:p>
+        </p:txBody>
+      </p:sp>
+    </p:spTree>
+    <p:extLst>
+      <p:ext uri="{BB962C8B-B14F-4D97-AF65-F5344CB8AC3E}">
+        <p14:creationId xmlns:p14="http://schemas.microsoft.com/office/powerpoint/2010/main" val="3909040261"/>
+      </p:ext>
+    </p:extLst>
+  </p:cSld>
+  <p:clrMapOvr>
+    <a:masterClrMapping/>
+  </p:clrMapOvr>
+</p:sld>
+</file>
+
+<file path=ppt/slides/slide6.xml><?xml version="1.0" encoding="utf-8"?>
+<p:sld xmlns:a="http://schemas.openxmlformats.org/drawingml/2006/main" xmlns:r="http://schemas.openxmlformats.org/officeDocument/2006/relationships" xmlns:p="http://schemas.openxmlformats.org/presentationml/2006/main">
+  <p:cSld>
+    <p:spTree>
+      <p:nvGrpSpPr>
+        <p:cNvPr id="1" name=""/>
+        <p:cNvGrpSpPr/>
+        <p:nvPr/>
+      </p:nvGrpSpPr>
+      <p:grpSpPr>
+        <a:xfrm>
+          <a:off x="0" y="0"/>
+          <a:ext cx="0" cy="0"/>
+          <a:chOff x="0" y="0"/>
+          <a:chExt cx="0" cy="0"/>
+        </a:xfrm>
+      </p:grpSpPr>
+      <p:sp>
+        <p:nvSpPr>
+          <p:cNvPr id="2" name="Title 1"/>
+          <p:cNvSpPr>
+            <a:spLocks noGrp="1"/>
+          </p:cNvSpPr>
+          <p:nvPr>
+            <p:ph type="title"/>
+          </p:nvPr>
+        </p:nvSpPr>
+        <p:spPr/>
+        <p:txBody>
+          <a:bodyPr/>
+          <a:lstStyle/>
+          <a:p>
+            <a:r>
+              <a:rPr lang="en-US" dirty="0" smtClean="0">
+                <a:latin typeface="Times New Roman" panose="02020603050405020304" pitchFamily="18" charset="0"/>
+                <a:cs typeface="Times New Roman" panose="02020603050405020304" pitchFamily="18" charset="0"/>
+              </a:rPr>
+              <a:t>LIN Components</a:t>
+            </a:r>
+            <a:endParaRPr lang="en-US" dirty="0">
+              <a:latin typeface="Times New Roman" panose="02020603050405020304" pitchFamily="18" charset="0"/>
+              <a:cs typeface="Times New Roman" panose="02020603050405020304" pitchFamily="18" charset="0"/>
+            </a:endParaRPr>
+          </a:p>
+        </p:txBody>
+      </p:sp>
+      <p:pic>
+        <p:nvPicPr>
+          <p:cNvPr id="8" name="Content Placeholder 7"/>
+          <p:cNvPicPr>
+            <a:picLocks noGrp="1" noChangeAspect="1"/>
+          </p:cNvPicPr>
+          <p:nvPr>
+            <p:ph idx="1"/>
+          </p:nvPr>
+        </p:nvPicPr>
+        <p:blipFill>
+          <a:blip r:embed="rId2"/>
+          <a:stretch>
+            <a:fillRect/>
+          </a:stretch>
+        </p:blipFill>
+        <p:spPr>
+          <a:xfrm>
+            <a:off x="4777778" y="1734660"/>
+            <a:ext cx="1945879" cy="1945879"/>
+          </a:xfrm>
+          <a:prstGeom prst="rect">
+            <a:avLst/>
+          </a:prstGeom>
+        </p:spPr>
+      </p:pic>
+      <p:sp>
+        <p:nvSpPr>
+          <p:cNvPr id="4" name="Isosceles Triangle 3"/>
+          <p:cNvSpPr/>
+          <p:nvPr/>
+        </p:nvSpPr>
+        <p:spPr>
+          <a:xfrm>
+            <a:off x="0" y="5715000"/>
+            <a:ext cx="1143000" cy="1143000"/>
+          </a:xfrm>
+          <a:prstGeom prst="triangle">
+            <a:avLst>
+              <a:gd name="adj" fmla="val 0"/>
+            </a:avLst>
+          </a:prstGeom>
+          <a:gradFill flip="none" rotWithShape="1">
+            <a:gsLst>
+              <a:gs pos="0">
+                <a:srgbClr val="0070C0">
+                  <a:shade val="30000"/>
+                  <a:satMod val="115000"/>
+                </a:srgbClr>
+              </a:gs>
+              <a:gs pos="50000">
+                <a:srgbClr val="0070C0">
+                  <a:shade val="67500"/>
+                  <a:satMod val="115000"/>
+                </a:srgbClr>
+              </a:gs>
+              <a:gs pos="100000">
+                <a:srgbClr val="0070C0">
+                  <a:shade val="100000"/>
+                  <a:satMod val="115000"/>
+                </a:srgbClr>
+              </a:gs>
+            </a:gsLst>
+            <a:lin ang="2700000" scaled="1"/>
+            <a:tileRect/>
+          </a:gradFill>
+        </p:spPr>
+        <p:style>
+          <a:lnRef idx="2">
+            <a:schemeClr val="accent1">
+              <a:shade val="50000"/>
+            </a:schemeClr>
+          </a:lnRef>
+          <a:fillRef idx="1">
+            <a:schemeClr val="accent1"/>
+          </a:fillRef>
+          <a:effectRef idx="0">
+            <a:schemeClr val="accent1"/>
+          </a:effectRef>
+          <a:fontRef idx="minor">
+            <a:schemeClr val="lt1"/>
+          </a:fontRef>
+        </p:style>
+        <p:txBody>
+          <a:bodyPr rtlCol="0" anchor="ctr"/>
+          <a:lstStyle/>
+          <a:p>
+            <a:pPr algn="ctr"/>
+            <a:endParaRPr lang="en-US"/>
+          </a:p>
+        </p:txBody>
+      </p:sp>
+      <p:sp>
+        <p:nvSpPr>
+          <p:cNvPr id="5" name="Isosceles Triangle 4"/>
+          <p:cNvSpPr/>
+          <p:nvPr/>
+        </p:nvSpPr>
+        <p:spPr>
+          <a:xfrm rot="5400000">
+            <a:off x="0" y="0"/>
+            <a:ext cx="1143000" cy="1143000"/>
+          </a:xfrm>
+          <a:prstGeom prst="triangle">
+            <a:avLst>
+              <a:gd name="adj" fmla="val 0"/>
+            </a:avLst>
+          </a:prstGeom>
+          <a:gradFill flip="none" rotWithShape="1">
+            <a:gsLst>
+              <a:gs pos="0">
+                <a:srgbClr val="0070C0">
+                  <a:shade val="30000"/>
+                  <a:satMod val="115000"/>
+                </a:srgbClr>
+              </a:gs>
+              <a:gs pos="50000">
+                <a:srgbClr val="0070C0">
+                  <a:shade val="67500"/>
+                  <a:satMod val="115000"/>
+                </a:srgbClr>
+              </a:gs>
+              <a:gs pos="100000">
+                <a:srgbClr val="0070C0">
+                  <a:shade val="100000"/>
+                  <a:satMod val="115000"/>
+                </a:srgbClr>
+              </a:gs>
+            </a:gsLst>
+            <a:lin ang="2700000" scaled="1"/>
+            <a:tileRect/>
+          </a:gradFill>
+        </p:spPr>
+        <p:style>
+          <a:lnRef idx="2">
+            <a:schemeClr val="accent1">
+              <a:shade val="50000"/>
+            </a:schemeClr>
+          </a:lnRef>
+          <a:fillRef idx="1">
+            <a:schemeClr val="accent1"/>
+          </a:fillRef>
+          <a:effectRef idx="0">
+            <a:schemeClr val="accent1"/>
+          </a:effectRef>
+          <a:fontRef idx="minor">
+            <a:schemeClr val="lt1"/>
+          </a:fontRef>
+        </p:style>
+        <p:txBody>
+          <a:bodyPr rtlCol="0" anchor="ctr"/>
+          <a:lstStyle/>
+          <a:p>
+            <a:pPr algn="ctr"/>
+            <a:endParaRPr lang="en-US"/>
+          </a:p>
+        </p:txBody>
+      </p:sp>
+      <p:sp>
+        <p:nvSpPr>
+          <p:cNvPr id="6" name="Isosceles Triangle 5"/>
+          <p:cNvSpPr/>
+          <p:nvPr/>
+        </p:nvSpPr>
+        <p:spPr>
+          <a:xfrm rot="16200000">
+            <a:off x="11049000" y="5715000"/>
+            <a:ext cx="1143000" cy="1143000"/>
+          </a:xfrm>
+          <a:prstGeom prst="triangle">
+            <a:avLst>
+              <a:gd name="adj" fmla="val 0"/>
+            </a:avLst>
+          </a:prstGeom>
+          <a:gradFill flip="none" rotWithShape="1">
+            <a:gsLst>
+              <a:gs pos="0">
+                <a:srgbClr val="0070C0">
+                  <a:shade val="30000"/>
+                  <a:satMod val="115000"/>
+                </a:srgbClr>
+              </a:gs>
+              <a:gs pos="50000">
+                <a:srgbClr val="0070C0">
+                  <a:shade val="67500"/>
+                  <a:satMod val="115000"/>
+                </a:srgbClr>
+              </a:gs>
+              <a:gs pos="100000">
+                <a:srgbClr val="0070C0">
+                  <a:shade val="100000"/>
+                  <a:satMod val="115000"/>
+                </a:srgbClr>
+              </a:gs>
+            </a:gsLst>
+            <a:lin ang="2700000" scaled="1"/>
+            <a:tileRect/>
+          </a:gradFill>
+        </p:spPr>
+        <p:style>
+          <a:lnRef idx="2">
+            <a:schemeClr val="accent1">
+              <a:shade val="50000"/>
+            </a:schemeClr>
+          </a:lnRef>
+          <a:fillRef idx="1">
+            <a:schemeClr val="accent1"/>
+          </a:fillRef>
+          <a:effectRef idx="0">
+            <a:schemeClr val="accent1"/>
+          </a:effectRef>
+          <a:fontRef idx="minor">
+            <a:schemeClr val="lt1"/>
+          </a:fontRef>
+        </p:style>
+        <p:txBody>
+          <a:bodyPr rtlCol="0" anchor="ctr"/>
+          <a:lstStyle/>
+          <a:p>
+            <a:pPr algn="ctr"/>
+            <a:endParaRPr lang="en-US"/>
+          </a:p>
+        </p:txBody>
+      </p:sp>
+      <p:sp>
+        <p:nvSpPr>
+          <p:cNvPr id="7" name="Isosceles Triangle 6"/>
+          <p:cNvSpPr/>
+          <p:nvPr/>
+        </p:nvSpPr>
+        <p:spPr>
+          <a:xfrm rot="10800000">
+            <a:off x="11049000" y="0"/>
+            <a:ext cx="1143000" cy="1143000"/>
+          </a:xfrm>
+          <a:prstGeom prst="triangle">
+            <a:avLst>
+              <a:gd name="adj" fmla="val 0"/>
+            </a:avLst>
+          </a:prstGeom>
+          <a:gradFill flip="none" rotWithShape="1">
+            <a:gsLst>
+              <a:gs pos="0">
+                <a:srgbClr val="0070C0">
+                  <a:shade val="30000"/>
+                  <a:satMod val="115000"/>
+                </a:srgbClr>
+              </a:gs>
+              <a:gs pos="50000">
+                <a:srgbClr val="0070C0">
+                  <a:shade val="67500"/>
+                  <a:satMod val="115000"/>
+                </a:srgbClr>
+              </a:gs>
+              <a:gs pos="100000">
+                <a:srgbClr val="0070C0">
+                  <a:shade val="100000"/>
+                  <a:satMod val="115000"/>
+                </a:srgbClr>
+              </a:gs>
+            </a:gsLst>
+            <a:lin ang="2700000" scaled="1"/>
+            <a:tileRect/>
+          </a:gradFill>
+        </p:spPr>
+        <p:style>
+          <a:lnRef idx="2">
+            <a:schemeClr val="accent1">
+              <a:shade val="50000"/>
+            </a:schemeClr>
+          </a:lnRef>
+          <a:fillRef idx="1">
+            <a:schemeClr val="accent1"/>
+          </a:fillRef>
+          <a:effectRef idx="0">
+            <a:schemeClr val="accent1"/>
+          </a:effectRef>
+          <a:fontRef idx="minor">
+            <a:schemeClr val="lt1"/>
+          </a:fontRef>
+        </p:style>
+        <p:txBody>
+          <a:bodyPr rtlCol="0" anchor="ctr"/>
+          <a:lstStyle/>
+          <a:p>
+            <a:pPr algn="ctr"/>
+            <a:endParaRPr lang="en-US"/>
+          </a:p>
+        </p:txBody>
+      </p:sp>
+      <p:pic>
+        <p:nvPicPr>
+          <p:cNvPr id="9" name="Picture 8"/>
+          <p:cNvPicPr>
+            <a:picLocks noChangeAspect="1"/>
+          </p:cNvPicPr>
+          <p:nvPr/>
+        </p:nvPicPr>
+        <p:blipFill>
+          <a:blip r:embed="rId3"/>
+          <a:stretch>
+            <a:fillRect/>
+          </a:stretch>
+        </p:blipFill>
+        <p:spPr>
+          <a:xfrm>
+            <a:off x="1143000" y="1690689"/>
+            <a:ext cx="2001837" cy="1989850"/>
+          </a:xfrm>
+          <a:prstGeom prst="rect">
+            <a:avLst/>
+          </a:prstGeom>
+        </p:spPr>
+      </p:pic>
+      <p:pic>
+        <p:nvPicPr>
+          <p:cNvPr id="10" name="Picture 9"/>
+          <p:cNvPicPr>
+            <a:picLocks noChangeAspect="1"/>
+          </p:cNvPicPr>
+          <p:nvPr/>
+        </p:nvPicPr>
+        <p:blipFill rotWithShape="1">
+          <a:blip r:embed="rId4"/>
+          <a:srcRect l="209" t="39375" r="24999" b="1250"/>
+          <a:stretch/>
+        </p:blipFill>
+        <p:spPr>
+          <a:xfrm>
+            <a:off x="8356598" y="1560326"/>
+            <a:ext cx="2787145" cy="2212636"/>
+          </a:xfrm>
+          <a:prstGeom prst="rect">
+            <a:avLst/>
+          </a:prstGeom>
+          <a:scene3d>
+            <a:camera prst="orthographicFront">
+              <a:rot lat="299973" lon="21599992" rev="21599986"/>
+            </a:camera>
+            <a:lightRig rig="threePt" dir="t"/>
+          </a:scene3d>
+        </p:spPr>
+      </p:pic>
+      <p:sp>
+        <p:nvSpPr>
+          <p:cNvPr id="11" name="TextBox 10"/>
+          <p:cNvSpPr txBox="1"/>
+          <p:nvPr/>
+        </p:nvSpPr>
+        <p:spPr>
+          <a:xfrm>
+            <a:off x="1305718" y="3781100"/>
+            <a:ext cx="1676400" cy="369332"/>
+          </a:xfrm>
+          <a:prstGeom prst="rect">
+            <a:avLst/>
+          </a:prstGeom>
+          <a:noFill/>
+        </p:spPr>
+        <p:txBody>
+          <a:bodyPr wrap="square" rtlCol="0">
+            <a:spAutoFit/>
+          </a:bodyPr>
+          <a:lstStyle/>
+          <a:p>
+            <a:pPr algn="ctr"/>
+            <a:r>
+              <a:rPr lang="en-US" dirty="0" smtClean="0">
+                <a:latin typeface="Times New Roman" panose="02020603050405020304" pitchFamily="18" charset="0"/>
+                <a:cs typeface="Times New Roman" panose="02020603050405020304" pitchFamily="18" charset="0"/>
+              </a:rPr>
+              <a:t>Cree XML</a:t>
+            </a:r>
+            <a:endParaRPr lang="en-US" dirty="0">
+              <a:latin typeface="Times New Roman" panose="02020603050405020304" pitchFamily="18" charset="0"/>
+              <a:cs typeface="Times New Roman" panose="02020603050405020304" pitchFamily="18" charset="0"/>
+            </a:endParaRPr>
+          </a:p>
+        </p:txBody>
+      </p:sp>
+      <p:sp>
+        <p:nvSpPr>
+          <p:cNvPr id="13" name="TextBox 12"/>
+          <p:cNvSpPr txBox="1"/>
+          <p:nvPr/>
+        </p:nvSpPr>
+        <p:spPr>
+          <a:xfrm>
+            <a:off x="4777777" y="3734750"/>
+            <a:ext cx="1945879" cy="369332"/>
+          </a:xfrm>
+          <a:prstGeom prst="rect">
+            <a:avLst/>
+          </a:prstGeom>
+          <a:noFill/>
+        </p:spPr>
+        <p:txBody>
+          <a:bodyPr wrap="square" rtlCol="0">
+            <a:spAutoFit/>
+          </a:bodyPr>
+          <a:lstStyle/>
+          <a:p>
+            <a:pPr algn="ctr"/>
+            <a:r>
+              <a:rPr lang="en-US" dirty="0" err="1" smtClean="0">
+                <a:latin typeface="Times New Roman" panose="02020603050405020304" pitchFamily="18" charset="0"/>
+                <a:cs typeface="Times New Roman" panose="02020603050405020304" pitchFamily="18" charset="0"/>
+              </a:rPr>
+              <a:t>TowerPro</a:t>
+            </a:r>
+            <a:r>
+              <a:rPr lang="en-US" dirty="0" smtClean="0">
+                <a:latin typeface="Times New Roman" panose="02020603050405020304" pitchFamily="18" charset="0"/>
+                <a:cs typeface="Times New Roman" panose="02020603050405020304" pitchFamily="18" charset="0"/>
+              </a:rPr>
+              <a:t> MG995</a:t>
+            </a:r>
+            <a:endParaRPr lang="en-US" dirty="0">
+              <a:latin typeface="Times New Roman" panose="02020603050405020304" pitchFamily="18" charset="0"/>
+              <a:cs typeface="Times New Roman" panose="02020603050405020304" pitchFamily="18" charset="0"/>
+            </a:endParaRPr>
+          </a:p>
+        </p:txBody>
+      </p:sp>
+      <p:sp>
+        <p:nvSpPr>
+          <p:cNvPr id="14" name="TextBox 13"/>
+          <p:cNvSpPr txBox="1"/>
+          <p:nvPr/>
+        </p:nvSpPr>
+        <p:spPr>
+          <a:xfrm>
+            <a:off x="8911970" y="3642600"/>
+            <a:ext cx="1676400" cy="646331"/>
+          </a:xfrm>
+          <a:prstGeom prst="rect">
+            <a:avLst/>
+          </a:prstGeom>
+          <a:noFill/>
+        </p:spPr>
+        <p:txBody>
+          <a:bodyPr wrap="square" rtlCol="0">
+            <a:spAutoFit/>
+          </a:bodyPr>
+          <a:lstStyle/>
+          <a:p>
+            <a:pPr algn="ctr"/>
+            <a:r>
+              <a:rPr lang="en-US" dirty="0" smtClean="0">
+                <a:latin typeface="Times New Roman" panose="02020603050405020304" pitchFamily="18" charset="0"/>
+                <a:cs typeface="Times New Roman" panose="02020603050405020304" pitchFamily="18" charset="0"/>
+              </a:rPr>
+              <a:t>ATA6617 w/ ATTiny167</a:t>
+            </a:r>
+            <a:endParaRPr lang="en-US" dirty="0">
+              <a:latin typeface="Times New Roman" panose="02020603050405020304" pitchFamily="18" charset="0"/>
+              <a:cs typeface="Times New Roman" panose="02020603050405020304" pitchFamily="18" charset="0"/>
+            </a:endParaRPr>
+          </a:p>
+        </p:txBody>
+      </p:sp>
+      <p:pic>
+        <p:nvPicPr>
+          <p:cNvPr id="12" name="Picture 11"/>
+          <p:cNvPicPr>
+            <a:picLocks noChangeAspect="1"/>
+          </p:cNvPicPr>
+          <p:nvPr/>
+        </p:nvPicPr>
+        <p:blipFill rotWithShape="1">
+          <a:blip r:embed="rId5" cstate="print">
+            <a:extLst>
+              <a:ext uri="{28A0092B-C50C-407E-A947-70E740481C1C}">
+                <a14:useLocalDpi xmlns:a14="http://schemas.microsoft.com/office/drawing/2010/main" val="0"/>
+              </a:ext>
+            </a:extLst>
+          </a:blip>
+          <a:srcRect l="34168" t="38423" r="19648" b="24577"/>
+          <a:stretch/>
+        </p:blipFill>
+        <p:spPr>
+          <a:xfrm>
+            <a:off x="4416170" y="4288931"/>
+            <a:ext cx="2895600" cy="1739900"/>
+          </a:xfrm>
+          <a:prstGeom prst="rect">
+            <a:avLst/>
+          </a:prstGeom>
+        </p:spPr>
+      </p:pic>
+      <p:sp>
+        <p:nvSpPr>
+          <p:cNvPr id="16" name="TextBox 15"/>
+          <p:cNvSpPr txBox="1"/>
+          <p:nvPr/>
+        </p:nvSpPr>
+        <p:spPr>
+          <a:xfrm>
+            <a:off x="4823093" y="6148144"/>
+            <a:ext cx="2081753" cy="369332"/>
+          </a:xfrm>
+          <a:prstGeom prst="rect">
+            <a:avLst/>
+          </a:prstGeom>
+          <a:noFill/>
+        </p:spPr>
+        <p:txBody>
+          <a:bodyPr wrap="square" rtlCol="0">
+            <a:spAutoFit/>
+          </a:bodyPr>
+          <a:lstStyle/>
+          <a:p>
+            <a:pPr algn="ctr"/>
+            <a:r>
+              <a:rPr lang="en-US" dirty="0" smtClean="0">
+                <a:latin typeface="Times New Roman" panose="02020603050405020304" pitchFamily="18" charset="0"/>
+                <a:cs typeface="Times New Roman" panose="02020603050405020304" pitchFamily="18" charset="0"/>
+              </a:rPr>
+              <a:t>Custom Slave PCB</a:t>
+            </a:r>
+            <a:endParaRPr lang="en-US" dirty="0">
+              <a:latin typeface="Times New Roman" panose="02020603050405020304" pitchFamily="18" charset="0"/>
+              <a:cs typeface="Times New Roman" panose="02020603050405020304" pitchFamily="18" charset="0"/>
+            </a:endParaRPr>
+          </a:p>
+        </p:txBody>
+      </p:sp>
+    </p:spTree>
+    <p:extLst>
+      <p:ext uri="{BB962C8B-B14F-4D97-AF65-F5344CB8AC3E}">
+        <p14:creationId xmlns:p14="http://schemas.microsoft.com/office/powerpoint/2010/main" val="691029076"/>
+      </p:ext>
+    </p:extLst>
+  </p:cSld>
+  <p:clrMapOvr>
+    <a:masterClrMapping/>
+  </p:clrMapOvr>
+</p:sld>
+</file>
+
+<file path=ppt/slides/slide7.xml><?xml version="1.0" encoding="utf-8"?>
+<p:sld xmlns:a="http://schemas.openxmlformats.org/drawingml/2006/main" xmlns:r="http://schemas.openxmlformats.org/officeDocument/2006/relationships" xmlns:p="http://schemas.openxmlformats.org/presentationml/2006/main">
+  <p:cSld>
+    <p:spTree>
+      <p:nvGrpSpPr>
+        <p:cNvPr id="1" name=""/>
+        <p:cNvGrpSpPr/>
+        <p:nvPr/>
+      </p:nvGrpSpPr>
+      <p:grpSpPr>
+        <a:xfrm>
+          <a:off x="0" y="0"/>
+          <a:ext cx="0" cy="0"/>
+          <a:chOff x="0" y="0"/>
+          <a:chExt cx="0" cy="0"/>
+        </a:xfrm>
+      </p:grpSpPr>
+      <p:sp>
+        <p:nvSpPr>
+          <p:cNvPr id="2" name="Title 1"/>
+          <p:cNvSpPr>
+            <a:spLocks noGrp="1"/>
+          </p:cNvSpPr>
+          <p:nvPr>
+            <p:ph type="title"/>
+          </p:nvPr>
+        </p:nvSpPr>
+        <p:spPr/>
+        <p:txBody>
+          <a:bodyPr/>
+          <a:lstStyle/>
+          <a:p>
+            <a:r>
+              <a:rPr lang="en-US" dirty="0" smtClean="0">
+                <a:latin typeface="Times New Roman" panose="02020603050405020304" pitchFamily="18" charset="0"/>
+                <a:cs typeface="Times New Roman" panose="02020603050405020304" pitchFamily="18" charset="0"/>
+              </a:rPr>
+              <a:t>CAN (Controller Area) Sub-network</a:t>
+            </a:r>
+            <a:endParaRPr lang="en-US" dirty="0"/>
+          </a:p>
+        </p:txBody>
+      </p:sp>
+      <p:sp>
+        <p:nvSpPr>
+          <p:cNvPr id="3" name="Content Placeholder 2"/>
+          <p:cNvSpPr>
+            <a:spLocks noGrp="1"/>
+          </p:cNvSpPr>
+          <p:nvPr>
+            <p:ph idx="1"/>
+          </p:nvPr>
+        </p:nvSpPr>
+        <p:spPr/>
+        <p:txBody>
+          <a:bodyPr>
+            <a:normAutofit lnSpcReduction="10000"/>
+          </a:bodyPr>
+          <a:lstStyle/>
+          <a:p>
+            <a:r>
+              <a:rPr lang="en-US" dirty="0" smtClean="0">
+                <a:latin typeface="Times New Roman" panose="02020603050405020304" pitchFamily="18" charset="0"/>
+                <a:cs typeface="Times New Roman" panose="02020603050405020304" pitchFamily="18" charset="0"/>
+              </a:rPr>
+              <a:t>The CAN communication protocol is used to talk between the cellular modem and the master node of the LIN sub-network </a:t>
+            </a:r>
+          </a:p>
+          <a:p>
+            <a:r>
+              <a:rPr lang="en-US" dirty="0" smtClean="0">
+                <a:latin typeface="Times New Roman" panose="02020603050405020304" pitchFamily="18" charset="0"/>
+                <a:cs typeface="Times New Roman" panose="02020603050405020304" pitchFamily="18" charset="0"/>
+              </a:rPr>
+              <a:t>CAN was chosen as it is reliable over long distances, gives a larger diversity over the range of messages it can identify and process and is the standard for modern vehicle communication.</a:t>
+            </a:r>
+          </a:p>
+          <a:p>
+            <a:r>
+              <a:rPr lang="en-US" dirty="0" smtClean="0">
+                <a:latin typeface="Times New Roman" panose="02020603050405020304" pitchFamily="18" charset="0"/>
+                <a:cs typeface="Times New Roman" panose="02020603050405020304" pitchFamily="18" charset="0"/>
+              </a:rPr>
+              <a:t>To reduce CAN overhead, we talk to a MCP25625 CAN controller through the </a:t>
+            </a:r>
+            <a:r>
+              <a:rPr lang="en-US" dirty="0" err="1" smtClean="0">
+                <a:latin typeface="Times New Roman" panose="02020603050405020304" pitchFamily="18" charset="0"/>
+                <a:cs typeface="Times New Roman" panose="02020603050405020304" pitchFamily="18" charset="0"/>
+              </a:rPr>
+              <a:t>ATTiny</a:t>
+            </a:r>
+            <a:r>
+              <a:rPr lang="en-US" dirty="0" smtClean="0">
+                <a:latin typeface="Times New Roman" panose="02020603050405020304" pitchFamily="18" charset="0"/>
+                <a:cs typeface="Times New Roman" panose="02020603050405020304" pitchFamily="18" charset="0"/>
+              </a:rPr>
+              <a:t> 167 Master Node using SPI (Serial Peripheral Interface)</a:t>
+            </a:r>
+          </a:p>
+          <a:p>
+            <a:r>
+              <a:rPr lang="en-US" dirty="0" smtClean="0">
+                <a:latin typeface="Times New Roman" panose="02020603050405020304" pitchFamily="18" charset="0"/>
+                <a:cs typeface="Times New Roman" panose="02020603050405020304" pitchFamily="18" charset="0"/>
+              </a:rPr>
+              <a:t>The CAN Controller independently handles the transmit, receive and error detection for each CAN message and notifies the master accordingly.</a:t>
+            </a:r>
+            <a:endParaRPr lang="en-US" dirty="0">
+              <a:latin typeface="Times New Roman" panose="02020603050405020304" pitchFamily="18" charset="0"/>
+              <a:cs typeface="Times New Roman" panose="02020603050405020304" pitchFamily="18" charset="0"/>
+            </a:endParaRPr>
+          </a:p>
+        </p:txBody>
+      </p:sp>
+      <p:sp>
+        <p:nvSpPr>
+          <p:cNvPr id="4" name="Isosceles Triangle 3"/>
+          <p:cNvSpPr/>
+          <p:nvPr/>
+        </p:nvSpPr>
+        <p:spPr>
+          <a:xfrm>
+            <a:off x="0" y="5715000"/>
+            <a:ext cx="1143000" cy="1143000"/>
+          </a:xfrm>
+          <a:prstGeom prst="triangle">
+            <a:avLst>
+              <a:gd name="adj" fmla="val 0"/>
+            </a:avLst>
+          </a:prstGeom>
+          <a:gradFill flip="none" rotWithShape="1">
+            <a:gsLst>
+              <a:gs pos="0">
+                <a:srgbClr val="0070C0">
+                  <a:shade val="30000"/>
+                  <a:satMod val="115000"/>
+                </a:srgbClr>
+              </a:gs>
+              <a:gs pos="50000">
+                <a:srgbClr val="0070C0">
+                  <a:shade val="67500"/>
+                  <a:satMod val="115000"/>
+                </a:srgbClr>
+              </a:gs>
+              <a:gs pos="100000">
+                <a:srgbClr val="0070C0">
+                  <a:shade val="100000"/>
+                  <a:satMod val="115000"/>
+                </a:srgbClr>
+              </a:gs>
+            </a:gsLst>
+            <a:lin ang="2700000" scaled="1"/>
+            <a:tileRect/>
+          </a:gradFill>
+        </p:spPr>
+        <p:style>
+          <a:lnRef idx="2">
+            <a:schemeClr val="accent1">
+              <a:shade val="50000"/>
+            </a:schemeClr>
+          </a:lnRef>
+          <a:fillRef idx="1">
+            <a:schemeClr val="accent1"/>
+          </a:fillRef>
+          <a:effectRef idx="0">
+            <a:schemeClr val="accent1"/>
+          </a:effectRef>
+          <a:fontRef idx="minor">
+            <a:schemeClr val="lt1"/>
+          </a:fontRef>
+        </p:style>
+        <p:txBody>
+          <a:bodyPr rtlCol="0" anchor="ctr"/>
+          <a:lstStyle/>
+          <a:p>
+            <a:pPr algn="ctr"/>
+            <a:endParaRPr lang="en-US"/>
+          </a:p>
+        </p:txBody>
+      </p:sp>
+      <p:sp>
+        <p:nvSpPr>
+          <p:cNvPr id="5" name="Isosceles Triangle 4"/>
+          <p:cNvSpPr/>
+          <p:nvPr/>
+        </p:nvSpPr>
+        <p:spPr>
+          <a:xfrm rot="5400000">
+            <a:off x="0" y="0"/>
+            <a:ext cx="1143000" cy="1143000"/>
+          </a:xfrm>
+          <a:prstGeom prst="triangle">
+            <a:avLst>
+              <a:gd name="adj" fmla="val 0"/>
+            </a:avLst>
+          </a:prstGeom>
+          <a:gradFill flip="none" rotWithShape="1">
+            <a:gsLst>
+              <a:gs pos="0">
+                <a:srgbClr val="0070C0">
+                  <a:shade val="30000"/>
+                  <a:satMod val="115000"/>
+                </a:srgbClr>
+              </a:gs>
+              <a:gs pos="50000">
+                <a:srgbClr val="0070C0">
+                  <a:shade val="67500"/>
+                  <a:satMod val="115000"/>
+                </a:srgbClr>
+              </a:gs>
+              <a:gs pos="100000">
+                <a:srgbClr val="0070C0">
+                  <a:shade val="100000"/>
+                  <a:satMod val="115000"/>
+                </a:srgbClr>
+              </a:gs>
+            </a:gsLst>
+            <a:lin ang="2700000" scaled="1"/>
+            <a:tileRect/>
+          </a:gradFill>
+        </p:spPr>
+        <p:style>
+          <a:lnRef idx="2">
+            <a:schemeClr val="accent1">
+              <a:shade val="50000"/>
+            </a:schemeClr>
+          </a:lnRef>
+          <a:fillRef idx="1">
+            <a:schemeClr val="accent1"/>
+          </a:fillRef>
+          <a:effectRef idx="0">
+            <a:schemeClr val="accent1"/>
+          </a:effectRef>
+          <a:fontRef idx="minor">
+            <a:schemeClr val="lt1"/>
+          </a:fontRef>
+        </p:style>
+        <p:txBody>
+          <a:bodyPr rtlCol="0" anchor="ctr"/>
+          <a:lstStyle/>
+          <a:p>
+            <a:pPr algn="ctr"/>
+            <a:endParaRPr lang="en-US"/>
+          </a:p>
+        </p:txBody>
+      </p:sp>
+      <p:sp>
+        <p:nvSpPr>
+          <p:cNvPr id="6" name="Isosceles Triangle 5"/>
+          <p:cNvSpPr/>
+          <p:nvPr/>
+        </p:nvSpPr>
+        <p:spPr>
+          <a:xfrm rot="16200000">
+            <a:off x="11049000" y="5715000"/>
+            <a:ext cx="1143000" cy="1143000"/>
+          </a:xfrm>
+          <a:prstGeom prst="triangle">
+            <a:avLst>
+              <a:gd name="adj" fmla="val 0"/>
+            </a:avLst>
+          </a:prstGeom>
+          <a:gradFill flip="none" rotWithShape="1">
+            <a:gsLst>
+              <a:gs pos="0">
+                <a:srgbClr val="0070C0">
+                  <a:shade val="30000"/>
+                  <a:satMod val="115000"/>
+                </a:srgbClr>
+              </a:gs>
+              <a:gs pos="50000">
+                <a:srgbClr val="0070C0">
+                  <a:shade val="67500"/>
+                  <a:satMod val="115000"/>
+                </a:srgbClr>
+              </a:gs>
+              <a:gs pos="100000">
+                <a:srgbClr val="0070C0">
+                  <a:shade val="100000"/>
+                  <a:satMod val="115000"/>
+                </a:srgbClr>
+              </a:gs>
+            </a:gsLst>
+            <a:lin ang="2700000" scaled="1"/>
+            <a:tileRect/>
+          </a:gradFill>
+        </p:spPr>
+        <p:style>
+          <a:lnRef idx="2">
+            <a:schemeClr val="accent1">
+              <a:shade val="50000"/>
+            </a:schemeClr>
+          </a:lnRef>
+          <a:fillRef idx="1">
+            <a:schemeClr val="accent1"/>
+          </a:fillRef>
+          <a:effectRef idx="0">
+            <a:schemeClr val="accent1"/>
+          </a:effectRef>
+          <a:fontRef idx="minor">
+            <a:schemeClr val="lt1"/>
+          </a:fontRef>
+        </p:style>
+        <p:txBody>
+          <a:bodyPr rtlCol="0" anchor="ctr"/>
+          <a:lstStyle/>
+          <a:p>
+            <a:pPr algn="ctr"/>
+            <a:endParaRPr lang="en-US"/>
+          </a:p>
+        </p:txBody>
+      </p:sp>
+      <p:sp>
+        <p:nvSpPr>
+          <p:cNvPr id="7" name="Isosceles Triangle 6"/>
+          <p:cNvSpPr/>
+          <p:nvPr/>
+        </p:nvSpPr>
+        <p:spPr>
+          <a:xfrm rot="10800000">
+            <a:off x="11049000" y="0"/>
+            <a:ext cx="1143000" cy="1143000"/>
+          </a:xfrm>
+          <a:prstGeom prst="triangle">
+            <a:avLst>
+              <a:gd name="adj" fmla="val 0"/>
+            </a:avLst>
+          </a:prstGeom>
+          <a:gradFill flip="none" rotWithShape="1">
+            <a:gsLst>
+              <a:gs pos="0">
+                <a:srgbClr val="0070C0">
+                  <a:shade val="30000"/>
+                  <a:satMod val="115000"/>
+                </a:srgbClr>
+              </a:gs>
+              <a:gs pos="50000">
+                <a:srgbClr val="0070C0">
+                  <a:shade val="67500"/>
+                  <a:satMod val="115000"/>
+                </a:srgbClr>
+              </a:gs>
+              <a:gs pos="100000">
+                <a:srgbClr val="0070C0">
+                  <a:shade val="100000"/>
+                  <a:satMod val="115000"/>
+                </a:srgbClr>
+              </a:gs>
+            </a:gsLst>
+            <a:lin ang="2700000" scaled="1"/>
+            <a:tileRect/>
+          </a:gradFill>
+        </p:spPr>
+        <p:style>
+          <a:lnRef idx="2">
+            <a:schemeClr val="accent1">
+              <a:shade val="50000"/>
+            </a:schemeClr>
+          </a:lnRef>
+          <a:fillRef idx="1">
+            <a:schemeClr val="accent1"/>
+          </a:fillRef>
+          <a:effectRef idx="0">
+            <a:schemeClr val="accent1"/>
+          </a:effectRef>
+          <a:fontRef idx="minor">
+            <a:schemeClr val="lt1"/>
+          </a:fontRef>
+        </p:style>
+        <p:txBody>
+          <a:bodyPr rtlCol="0" anchor="ctr"/>
+          <a:lstStyle/>
+          <a:p>
+            <a:pPr algn="ctr"/>
+            <a:endParaRPr lang="en-US"/>
+          </a:p>
+        </p:txBody>
+      </p:sp>
+    </p:spTree>
+    <p:extLst>
+      <p:ext uri="{BB962C8B-B14F-4D97-AF65-F5344CB8AC3E}">
+        <p14:creationId xmlns:p14="http://schemas.microsoft.com/office/powerpoint/2010/main" val="95031941"/>
+      </p:ext>
+    </p:extLst>
+  </p:cSld>
+  <p:clrMapOvr>
+    <a:masterClrMapping/>
+  </p:clrMapOvr>
+</p:sld>
+</file>
+
+<file path=ppt/slides/slide8.xml><?xml version="1.0" encoding="utf-8"?>
+<p:sld xmlns:a="http://schemas.openxmlformats.org/drawingml/2006/main" xmlns:r="http://schemas.openxmlformats.org/officeDocument/2006/relationships" xmlns:p="http://schemas.openxmlformats.org/presentationml/2006/main">
+  <p:cSld>
+    <p:spTree>
+      <p:nvGrpSpPr>
+        <p:cNvPr id="1" name=""/>
+        <p:cNvGrpSpPr/>
+        <p:nvPr/>
+      </p:nvGrpSpPr>
+      <p:grpSpPr>
+        <a:xfrm>
+          <a:off x="0" y="0"/>
+          <a:ext cx="0" cy="0"/>
+          <a:chOff x="0" y="0"/>
+          <a:chExt cx="0" cy="0"/>
+        </a:xfrm>
+      </p:grpSpPr>
+      <p:sp>
+        <p:nvSpPr>
+          <p:cNvPr id="2" name="Title 1"/>
+          <p:cNvSpPr>
+            <a:spLocks noGrp="1"/>
+          </p:cNvSpPr>
+          <p:nvPr>
+            <p:ph type="title"/>
+          </p:nvPr>
+        </p:nvSpPr>
+        <p:spPr/>
+        <p:txBody>
+          <a:bodyPr/>
+          <a:lstStyle/>
+          <a:p>
+            <a:r>
+              <a:rPr lang="en-US" dirty="0" smtClean="0">
+                <a:latin typeface="Times New Roman" panose="02020603050405020304" pitchFamily="18" charset="0"/>
+                <a:cs typeface="Times New Roman" panose="02020603050405020304" pitchFamily="18" charset="0"/>
+              </a:rPr>
+              <a:t>CAN Components</a:t>
+            </a:r>
+            <a:endParaRPr lang="en-US" dirty="0">
+              <a:latin typeface="Times New Roman" panose="02020603050405020304" pitchFamily="18" charset="0"/>
+              <a:cs typeface="Times New Roman" panose="02020603050405020304" pitchFamily="18" charset="0"/>
+            </a:endParaRPr>
+          </a:p>
+        </p:txBody>
+      </p:sp>
+      <p:sp>
+        <p:nvSpPr>
+          <p:cNvPr id="4" name="Isosceles Triangle 3"/>
+          <p:cNvSpPr/>
+          <p:nvPr/>
+        </p:nvSpPr>
+        <p:spPr>
+          <a:xfrm>
+            <a:off x="0" y="5715000"/>
+            <a:ext cx="1143000" cy="1143000"/>
+          </a:xfrm>
+          <a:prstGeom prst="triangle">
+            <a:avLst>
+              <a:gd name="adj" fmla="val 0"/>
+            </a:avLst>
+          </a:prstGeom>
+          <a:gradFill flip="none" rotWithShape="1">
+            <a:gsLst>
+              <a:gs pos="0">
+                <a:srgbClr val="0070C0">
+                  <a:shade val="30000"/>
+                  <a:satMod val="115000"/>
+                </a:srgbClr>
+              </a:gs>
+              <a:gs pos="50000">
+                <a:srgbClr val="0070C0">
+                  <a:shade val="67500"/>
+                  <a:satMod val="115000"/>
+                </a:srgbClr>
+              </a:gs>
+              <a:gs pos="100000">
+                <a:srgbClr val="0070C0">
+                  <a:shade val="100000"/>
+                  <a:satMod val="115000"/>
+                </a:srgbClr>
+              </a:gs>
+            </a:gsLst>
+            <a:lin ang="2700000" scaled="1"/>
+            <a:tileRect/>
+          </a:gradFill>
+        </p:spPr>
+        <p:style>
+          <a:lnRef idx="2">
+            <a:schemeClr val="accent1">
+              <a:shade val="50000"/>
+            </a:schemeClr>
+          </a:lnRef>
+          <a:fillRef idx="1">
+            <a:schemeClr val="accent1"/>
+          </a:fillRef>
+          <a:effectRef idx="0">
+            <a:schemeClr val="accent1"/>
+          </a:effectRef>
+          <a:fontRef idx="minor">
+            <a:schemeClr val="lt1"/>
+          </a:fontRef>
+        </p:style>
+        <p:txBody>
+          <a:bodyPr rtlCol="0" anchor="ctr"/>
+          <a:lstStyle/>
+          <a:p>
+            <a:pPr algn="ctr"/>
+            <a:endParaRPr lang="en-US"/>
+          </a:p>
+        </p:txBody>
+      </p:sp>
+      <p:sp>
+        <p:nvSpPr>
+          <p:cNvPr id="5" name="Isosceles Triangle 4"/>
+          <p:cNvSpPr/>
+          <p:nvPr/>
+        </p:nvSpPr>
+        <p:spPr>
+          <a:xfrm rot="5400000">
+            <a:off x="0" y="0"/>
+            <a:ext cx="1143000" cy="1143000"/>
+          </a:xfrm>
+          <a:prstGeom prst="triangle">
+            <a:avLst>
+              <a:gd name="adj" fmla="val 0"/>
+            </a:avLst>
+          </a:prstGeom>
+          <a:gradFill flip="none" rotWithShape="1">
+            <a:gsLst>
+              <a:gs pos="0">
+                <a:srgbClr val="0070C0">
+                  <a:shade val="30000"/>
+                  <a:satMod val="115000"/>
+                </a:srgbClr>
+              </a:gs>
+              <a:gs pos="50000">
+                <a:srgbClr val="0070C0">
+                  <a:shade val="67500"/>
+                  <a:satMod val="115000"/>
+                </a:srgbClr>
+              </a:gs>
+              <a:gs pos="100000">
+                <a:srgbClr val="0070C0">
+                  <a:shade val="100000"/>
+                  <a:satMod val="115000"/>
+                </a:srgbClr>
+              </a:gs>
+            </a:gsLst>
+            <a:lin ang="2700000" scaled="1"/>
+            <a:tileRect/>
+          </a:gradFill>
+        </p:spPr>
+        <p:style>
+          <a:lnRef idx="2">
+            <a:schemeClr val="accent1">
+              <a:shade val="50000"/>
+            </a:schemeClr>
+          </a:lnRef>
+          <a:fillRef idx="1">
+            <a:schemeClr val="accent1"/>
+          </a:fillRef>
+          <a:effectRef idx="0">
+            <a:schemeClr val="accent1"/>
+          </a:effectRef>
+          <a:fontRef idx="minor">
+            <a:schemeClr val="lt1"/>
+          </a:fontRef>
+        </p:style>
+        <p:txBody>
+          <a:bodyPr rtlCol="0" anchor="ctr"/>
+          <a:lstStyle/>
+          <a:p>
+            <a:pPr algn="ctr"/>
+            <a:endParaRPr lang="en-US"/>
+          </a:p>
+        </p:txBody>
+      </p:sp>
+      <p:sp>
+        <p:nvSpPr>
+          <p:cNvPr id="6" name="Isosceles Triangle 5"/>
+          <p:cNvSpPr/>
+          <p:nvPr/>
+        </p:nvSpPr>
+        <p:spPr>
+          <a:xfrm rot="16200000">
+            <a:off x="11049000" y="5715000"/>
+            <a:ext cx="1143000" cy="1143000"/>
+          </a:xfrm>
+          <a:prstGeom prst="triangle">
+            <a:avLst>
+              <a:gd name="adj" fmla="val 0"/>
+            </a:avLst>
+          </a:prstGeom>
+          <a:gradFill flip="none" rotWithShape="1">
+            <a:gsLst>
+              <a:gs pos="0">
+                <a:srgbClr val="0070C0">
+                  <a:shade val="30000"/>
+                  <a:satMod val="115000"/>
+                </a:srgbClr>
+              </a:gs>
+              <a:gs pos="50000">
+                <a:srgbClr val="0070C0">
+                  <a:shade val="67500"/>
+                  <a:satMod val="115000"/>
+                </a:srgbClr>
+              </a:gs>
+              <a:gs pos="100000">
+                <a:srgbClr val="0070C0">
+                  <a:shade val="100000"/>
+                  <a:satMod val="115000"/>
+                </a:srgbClr>
+              </a:gs>
+            </a:gsLst>
+            <a:lin ang="2700000" scaled="1"/>
+            <a:tileRect/>
+          </a:gradFill>
+        </p:spPr>
+        <p:style>
+          <a:lnRef idx="2">
+            <a:schemeClr val="accent1">
+              <a:shade val="50000"/>
+            </a:schemeClr>
+          </a:lnRef>
+          <a:fillRef idx="1">
+            <a:schemeClr val="accent1"/>
+          </a:fillRef>
+          <a:effectRef idx="0">
+            <a:schemeClr val="accent1"/>
+          </a:effectRef>
+          <a:fontRef idx="minor">
+            <a:schemeClr val="lt1"/>
+          </a:fontRef>
+        </p:style>
+        <p:txBody>
+          <a:bodyPr rtlCol="0" anchor="ctr"/>
+          <a:lstStyle/>
+          <a:p>
+            <a:pPr algn="ctr"/>
+            <a:endParaRPr lang="en-US"/>
+          </a:p>
+        </p:txBody>
+      </p:sp>
+      <p:sp>
+        <p:nvSpPr>
+          <p:cNvPr id="7" name="Isosceles Triangle 6"/>
+          <p:cNvSpPr/>
+          <p:nvPr/>
+        </p:nvSpPr>
+        <p:spPr>
+          <a:xfrm rot="10800000">
+            <a:off x="11049000" y="0"/>
+            <a:ext cx="1143000" cy="1143000"/>
+          </a:xfrm>
+          <a:prstGeom prst="triangle">
+            <a:avLst>
+              <a:gd name="adj" fmla="val 0"/>
+            </a:avLst>
+          </a:prstGeom>
+          <a:gradFill flip="none" rotWithShape="1">
+            <a:gsLst>
+              <a:gs pos="0">
+                <a:srgbClr val="0070C0">
+                  <a:shade val="30000"/>
+                  <a:satMod val="115000"/>
+                </a:srgbClr>
+              </a:gs>
+              <a:gs pos="50000">
+                <a:srgbClr val="0070C0">
+                  <a:shade val="67500"/>
+                  <a:satMod val="115000"/>
+                </a:srgbClr>
+              </a:gs>
+              <a:gs pos="100000">
+                <a:srgbClr val="0070C0">
+                  <a:shade val="100000"/>
+                  <a:satMod val="115000"/>
+                </a:srgbClr>
+              </a:gs>
+            </a:gsLst>
+            <a:lin ang="2700000" scaled="1"/>
+            <a:tileRect/>
+          </a:gradFill>
+        </p:spPr>
+        <p:style>
+          <a:lnRef idx="2">
+            <a:schemeClr val="accent1">
+              <a:shade val="50000"/>
+            </a:schemeClr>
+          </a:lnRef>
+          <a:fillRef idx="1">
+            <a:schemeClr val="accent1"/>
+          </a:fillRef>
+          <a:effectRef idx="0">
+            <a:schemeClr val="accent1"/>
+          </a:effectRef>
+          <a:fontRef idx="minor">
+            <a:schemeClr val="lt1"/>
+          </a:fontRef>
+        </p:style>
+        <p:txBody>
+          <a:bodyPr rtlCol="0" anchor="ctr"/>
+          <a:lstStyle/>
+          <a:p>
+            <a:pPr algn="ctr"/>
+            <a:endParaRPr lang="en-US"/>
+          </a:p>
+        </p:txBody>
+      </p:sp>
+      <p:pic>
+        <p:nvPicPr>
+          <p:cNvPr id="10" name="Picture 9"/>
+          <p:cNvPicPr>
+            <a:picLocks noChangeAspect="1"/>
+          </p:cNvPicPr>
+          <p:nvPr/>
+        </p:nvPicPr>
+        <p:blipFill rotWithShape="1">
+          <a:blip r:embed="rId2"/>
+          <a:srcRect l="209" t="39375" r="24999" b="1250"/>
+          <a:stretch/>
+        </p:blipFill>
+        <p:spPr>
+          <a:xfrm>
+            <a:off x="6726222" y="1525605"/>
+            <a:ext cx="4043378" cy="3209924"/>
+          </a:xfrm>
+          <a:prstGeom prst="rect">
+            <a:avLst/>
+          </a:prstGeom>
+          <a:scene3d>
+            <a:camera prst="orthographicFront">
+              <a:rot lat="299973" lon="21599992" rev="21599986"/>
+            </a:camera>
+            <a:lightRig rig="threePt" dir="t"/>
+          </a:scene3d>
+        </p:spPr>
+      </p:pic>
+      <p:sp>
+        <p:nvSpPr>
+          <p:cNvPr id="14" name="TextBox 13"/>
+          <p:cNvSpPr txBox="1"/>
+          <p:nvPr/>
+        </p:nvSpPr>
+        <p:spPr>
+          <a:xfrm>
+            <a:off x="7476196" y="4708945"/>
+            <a:ext cx="2543430" cy="369332"/>
+          </a:xfrm>
+          <a:prstGeom prst="rect">
+            <a:avLst/>
+          </a:prstGeom>
+          <a:noFill/>
+        </p:spPr>
+        <p:txBody>
+          <a:bodyPr wrap="square" rtlCol="0">
+            <a:spAutoFit/>
+          </a:bodyPr>
+          <a:lstStyle/>
+          <a:p>
+            <a:pPr algn="ctr"/>
+            <a:r>
+              <a:rPr lang="en-US" dirty="0" smtClean="0">
+                <a:latin typeface="Times New Roman" panose="02020603050405020304" pitchFamily="18" charset="0"/>
+                <a:cs typeface="Times New Roman" panose="02020603050405020304" pitchFamily="18" charset="0"/>
+              </a:rPr>
+              <a:t>ATA6617 w/ ATTiny167</a:t>
+            </a:r>
+            <a:endParaRPr lang="en-US" dirty="0">
+              <a:latin typeface="Times New Roman" panose="02020603050405020304" pitchFamily="18" charset="0"/>
+              <a:cs typeface="Times New Roman" panose="02020603050405020304" pitchFamily="18" charset="0"/>
+            </a:endParaRPr>
+          </a:p>
+        </p:txBody>
+      </p:sp>
+      <p:pic>
+        <p:nvPicPr>
+          <p:cNvPr id="17" name="Picture 16"/>
+          <p:cNvPicPr>
+            <a:picLocks noChangeAspect="1"/>
+          </p:cNvPicPr>
+          <p:nvPr/>
+        </p:nvPicPr>
+        <p:blipFill>
+          <a:blip r:embed="rId3"/>
+          <a:stretch>
+            <a:fillRect/>
+          </a:stretch>
+        </p:blipFill>
+        <p:spPr>
+          <a:xfrm>
+            <a:off x="866140" y="1753129"/>
+            <a:ext cx="4645659" cy="2754876"/>
+          </a:xfrm>
+          <a:prstGeom prst="rect">
+            <a:avLst/>
+          </a:prstGeom>
+        </p:spPr>
+      </p:pic>
+      <p:sp>
+        <p:nvSpPr>
+          <p:cNvPr id="18" name="TextBox 17"/>
+          <p:cNvSpPr txBox="1"/>
+          <p:nvPr/>
+        </p:nvSpPr>
+        <p:spPr>
+          <a:xfrm>
+            <a:off x="1975484" y="4570446"/>
+            <a:ext cx="2426970" cy="646331"/>
+          </a:xfrm>
+          <a:prstGeom prst="rect">
+            <a:avLst/>
+          </a:prstGeom>
+          <a:noFill/>
+        </p:spPr>
+        <p:txBody>
+          <a:bodyPr wrap="square" rtlCol="0">
+            <a:spAutoFit/>
+          </a:bodyPr>
+          <a:lstStyle/>
+          <a:p>
+            <a:pPr algn="ctr"/>
+            <a:r>
+              <a:rPr lang="en-US" dirty="0" smtClean="0">
+                <a:latin typeface="Times New Roman" panose="02020603050405020304" pitchFamily="18" charset="0"/>
+                <a:cs typeface="Times New Roman" panose="02020603050405020304" pitchFamily="18" charset="0"/>
+              </a:rPr>
+              <a:t>ADM00617 w/ MCP 25625 CAN Controller</a:t>
+            </a:r>
+            <a:endParaRPr lang="en-US" dirty="0">
+              <a:latin typeface="Times New Roman" panose="02020603050405020304" pitchFamily="18" charset="0"/>
+              <a:cs typeface="Times New Roman" panose="02020603050405020304" pitchFamily="18" charset="0"/>
+            </a:endParaRPr>
+          </a:p>
+        </p:txBody>
+      </p:sp>
+    </p:spTree>
+    <p:extLst>
+      <p:ext uri="{BB962C8B-B14F-4D97-AF65-F5344CB8AC3E}">
+        <p14:creationId xmlns:p14="http://schemas.microsoft.com/office/powerpoint/2010/main" val="3459231508"/>
+      </p:ext>
+    </p:extLst>
+  </p:cSld>
+  <p:clrMapOvr>
+    <a:masterClrMapping/>
+  </p:clrMapOvr>
+</p:sld>
+</file>
+
+<file path=ppt/slides/slide9.xml><?xml version="1.0" encoding="utf-8"?>
+<p:sld xmlns:a="http://schemas.openxmlformats.org/drawingml/2006/main" xmlns:r="http://schemas.openxmlformats.org/officeDocument/2006/relationships" xmlns:p="http://schemas.openxmlformats.org/presentationml/2006/main">
+  <p:cSld>
+    <p:spTree>
+      <p:nvGrpSpPr>
+        <p:cNvPr id="1" name=""/>
+        <p:cNvGrpSpPr/>
+        <p:nvPr/>
+      </p:nvGrpSpPr>
+      <p:grpSpPr>
+        <a:xfrm>
+          <a:off x="0" y="0"/>
+          <a:ext cx="0" cy="0"/>
+          <a:chOff x="0" y="0"/>
+          <a:chExt cx="0" cy="0"/>
+        </a:xfrm>
+      </p:grpSpPr>
+      <p:sp>
+        <p:nvSpPr>
+          <p:cNvPr id="2" name="Title 1"/>
+          <p:cNvSpPr>
+            <a:spLocks noGrp="1"/>
+          </p:cNvSpPr>
+          <p:nvPr>
+            <p:ph type="title"/>
+          </p:nvPr>
+        </p:nvSpPr>
+        <p:spPr/>
+        <p:txBody>
+          <a:bodyPr/>
+          <a:lstStyle/>
+          <a:p>
+            <a:r>
+              <a:rPr lang="en-US" dirty="0" smtClean="0">
+                <a:latin typeface="Times New Roman" panose="02020603050405020304" pitchFamily="18" charset="0"/>
+                <a:cs typeface="Times New Roman" panose="02020603050405020304" pitchFamily="18" charset="0"/>
+              </a:rPr>
+              <a:t>Cellular Sub-network</a:t>
+            </a:r>
+            <a:endParaRPr lang="en-US" dirty="0">
+              <a:latin typeface="Times New Roman" panose="02020603050405020304" pitchFamily="18" charset="0"/>
+              <a:cs typeface="Times New Roman" panose="02020603050405020304" pitchFamily="18" charset="0"/>
+            </a:endParaRPr>
+          </a:p>
+        </p:txBody>
+      </p:sp>
+      <p:sp>
+        <p:nvSpPr>
+          <p:cNvPr id="3" name="Content Placeholder 2"/>
+          <p:cNvSpPr>
+            <a:spLocks noGrp="1"/>
+          </p:cNvSpPr>
+          <p:nvPr>
+            <p:ph idx="1"/>
+          </p:nvPr>
+        </p:nvSpPr>
+        <p:spPr/>
+        <p:txBody>
+          <a:bodyPr/>
+          <a:lstStyle/>
+          <a:p>
+            <a:endParaRPr lang="en-US" dirty="0"/>
+          </a:p>
+        </p:txBody>
+      </p:sp>
+      <p:sp>
+        <p:nvSpPr>
+          <p:cNvPr id="4" name="Isosceles Triangle 3"/>
+          <p:cNvSpPr/>
+          <p:nvPr/>
+        </p:nvSpPr>
+        <p:spPr>
+          <a:xfrm>
+            <a:off x="0" y="5715000"/>
+            <a:ext cx="1143000" cy="1143000"/>
+          </a:xfrm>
+          <a:prstGeom prst="triangle">
+            <a:avLst>
+              <a:gd name="adj" fmla="val 0"/>
+            </a:avLst>
+          </a:prstGeom>
+          <a:gradFill flip="none" rotWithShape="1">
+            <a:gsLst>
+              <a:gs pos="0">
+                <a:srgbClr val="0070C0">
+                  <a:shade val="30000"/>
+                  <a:satMod val="115000"/>
+                </a:srgbClr>
+              </a:gs>
+              <a:gs pos="50000">
+                <a:srgbClr val="0070C0">
+                  <a:shade val="67500"/>
+                  <a:satMod val="115000"/>
+                </a:srgbClr>
+              </a:gs>
+              <a:gs pos="100000">
+                <a:srgbClr val="0070C0">
+                  <a:shade val="100000"/>
+                  <a:satMod val="115000"/>
+                </a:srgbClr>
+              </a:gs>
+            </a:gsLst>
+            <a:lin ang="2700000" scaled="1"/>
+            <a:tileRect/>
+          </a:gradFill>
+        </p:spPr>
+        <p:style>
+          <a:lnRef idx="2">
+            <a:schemeClr val="accent1">
+              <a:shade val="50000"/>
+            </a:schemeClr>
+          </a:lnRef>
+          <a:fillRef idx="1">
+            <a:schemeClr val="accent1"/>
+          </a:fillRef>
+          <a:effectRef idx="0">
+            <a:schemeClr val="accent1"/>
+          </a:effectRef>
+          <a:fontRef idx="minor">
+            <a:schemeClr val="lt1"/>
+          </a:fontRef>
+        </p:style>
+        <p:txBody>
+          <a:bodyPr rtlCol="0" anchor="ctr"/>
+          <a:lstStyle/>
+          <a:p>
+            <a:pPr algn="ctr"/>
+            <a:endParaRPr lang="en-US"/>
+          </a:p>
+        </p:txBody>
+      </p:sp>
+      <p:sp>
+        <p:nvSpPr>
+          <p:cNvPr id="5" name="Isosceles Triangle 4"/>
+          <p:cNvSpPr/>
+          <p:nvPr/>
+        </p:nvSpPr>
+        <p:spPr>
+          <a:xfrm rot="5400000">
+            <a:off x="0" y="0"/>
+            <a:ext cx="1143000" cy="1143000"/>
+          </a:xfrm>
+          <a:prstGeom prst="triangle">
+            <a:avLst>
+              <a:gd name="adj" fmla="val 0"/>
+            </a:avLst>
+          </a:prstGeom>
+          <a:gradFill flip="none" rotWithShape="1">
+            <a:gsLst>
+              <a:gs pos="0">
+                <a:srgbClr val="0070C0">
+                  <a:shade val="30000"/>
+                  <a:satMod val="115000"/>
+                </a:srgbClr>
+              </a:gs>
+              <a:gs pos="50000">
+                <a:srgbClr val="0070C0">
+                  <a:shade val="67500"/>
+                  <a:satMod val="115000"/>
+                </a:srgbClr>
+              </a:gs>
+              <a:gs pos="100000">
+                <a:srgbClr val="0070C0">
+                  <a:shade val="100000"/>
+                  <a:satMod val="115000"/>
+                </a:srgbClr>
+              </a:gs>
+            </a:gsLst>
+            <a:lin ang="2700000" scaled="1"/>
+            <a:tileRect/>
+          </a:gradFill>
+        </p:spPr>
+        <p:style>
+          <a:lnRef idx="2">
+            <a:schemeClr val="accent1">
+              <a:shade val="50000"/>
+            </a:schemeClr>
+          </a:lnRef>
+          <a:fillRef idx="1">
+            <a:schemeClr val="accent1"/>
+          </a:fillRef>
+          <a:effectRef idx="0">
+            <a:schemeClr val="accent1"/>
+          </a:effectRef>
+          <a:fontRef idx="minor">
+            <a:schemeClr val="lt1"/>
+          </a:fontRef>
+        </p:style>
+        <p:txBody>
+          <a:bodyPr rtlCol="0" anchor="ctr"/>
+          <a:lstStyle/>
+          <a:p>
+            <a:pPr algn="ctr"/>
+            <a:endParaRPr lang="en-US"/>
+          </a:p>
+        </p:txBody>
+      </p:sp>
+      <p:sp>
+        <p:nvSpPr>
+          <p:cNvPr id="6" name="Isosceles Triangle 5"/>
+          <p:cNvSpPr/>
+          <p:nvPr/>
+        </p:nvSpPr>
+        <p:spPr>
+          <a:xfrm rot="16200000">
+            <a:off x="11049000" y="5715000"/>
+            <a:ext cx="1143000" cy="1143000"/>
+          </a:xfrm>
+          <a:prstGeom prst="triangle">
+            <a:avLst>
+              <a:gd name="adj" fmla="val 0"/>
+            </a:avLst>
+          </a:prstGeom>
+          <a:gradFill flip="none" rotWithShape="1">
+            <a:gsLst>
+              <a:gs pos="0">
+                <a:srgbClr val="0070C0">
+                  <a:shade val="30000"/>
+                  <a:satMod val="115000"/>
+                </a:srgbClr>
+              </a:gs>
+              <a:gs pos="50000">
+                <a:srgbClr val="0070C0">
+                  <a:shade val="67500"/>
+                  <a:satMod val="115000"/>
+                </a:srgbClr>
+              </a:gs>
+              <a:gs pos="100000">
+                <a:srgbClr val="0070C0">
+                  <a:shade val="100000"/>
+                  <a:satMod val="115000"/>
+                </a:srgbClr>
+              </a:gs>
+            </a:gsLst>
+            <a:lin ang="2700000" scaled="1"/>
+            <a:tileRect/>
+          </a:gradFill>
+        </p:spPr>
+        <p:style>
+          <a:lnRef idx="2">
+            <a:schemeClr val="accent1">
+              <a:shade val="50000"/>
+            </a:schemeClr>
+          </a:lnRef>
+          <a:fillRef idx="1">
+            <a:schemeClr val="accent1"/>
+          </a:fillRef>
+          <a:effectRef idx="0">
+            <a:schemeClr val="accent1"/>
+          </a:effectRef>
+          <a:fontRef idx="minor">
+            <a:schemeClr val="lt1"/>
+          </a:fontRef>
+        </p:style>
+        <p:txBody>
+          <a:bodyPr rtlCol="0" anchor="ctr"/>
+          <a:lstStyle/>
+          <a:p>
+            <a:pPr algn="ctr"/>
+            <a:endParaRPr lang="en-US"/>
+          </a:p>
+        </p:txBody>
+      </p:sp>
+      <p:sp>
+        <p:nvSpPr>
+          <p:cNvPr id="7" name="Isosceles Triangle 6"/>
+          <p:cNvSpPr/>
+          <p:nvPr/>
+        </p:nvSpPr>
+        <p:spPr>
+          <a:xfrm rot="10800000">
+            <a:off x="11049000" y="0"/>
+            <a:ext cx="1143000" cy="1143000"/>
+          </a:xfrm>
+          <a:prstGeom prst="triangle">
+            <a:avLst>
+              <a:gd name="adj" fmla="val 0"/>
+            </a:avLst>
+          </a:prstGeom>
+          <a:gradFill flip="none" rotWithShape="1">
+            <a:gsLst>
+              <a:gs pos="0">
+                <a:srgbClr val="0070C0">
+                  <a:shade val="30000"/>
+                  <a:satMod val="115000"/>
+                </a:srgbClr>
+              </a:gs>
+              <a:gs pos="50000">
+                <a:srgbClr val="0070C0">
+                  <a:shade val="67500"/>
+                  <a:satMod val="115000"/>
+                </a:srgbClr>
+              </a:gs>
+              <a:gs pos="100000">
+                <a:srgbClr val="0070C0">
+                  <a:shade val="100000"/>
+                  <a:satMod val="115000"/>
+                </a:srgbClr>
+              </a:gs>
+            </a:gsLst>
+            <a:lin ang="2700000" scaled="1"/>
+            <a:tileRect/>
+          </a:gradFill>
+        </p:spPr>
+        <p:style>
+          <a:lnRef idx="2">
+            <a:schemeClr val="accent1">
+              <a:shade val="50000"/>
+            </a:schemeClr>
+          </a:lnRef>
+          <a:fillRef idx="1">
+            <a:schemeClr val="accent1"/>
+          </a:fillRef>
+          <a:effectRef idx="0">
+            <a:schemeClr val="accent1"/>
+          </a:effectRef>
+          <a:fontRef idx="minor">
+            <a:schemeClr val="lt1"/>
+          </a:fontRef>
+        </p:style>
+        <p:txBody>
+          <a:bodyPr rtlCol="0" anchor="ctr"/>
+          <a:lstStyle/>
+          <a:p>
+            <a:pPr algn="ctr"/>
+            <a:endParaRPr lang="en-US"/>
+          </a:p>
+        </p:txBody>
+      </p:sp>
+    </p:spTree>
+    <p:extLst>
+      <p:ext uri="{BB962C8B-B14F-4D97-AF65-F5344CB8AC3E}">
+        <p14:creationId xmlns:p14="http://schemas.microsoft.com/office/powerpoint/2010/main" val="642450370"/>
       </p:ext>
     </p:extLst>
   </p:cSld>

--- a/Ford 360° Exterior Lighting System.pptx
+++ b/Ford 360° Exterior Lighting System.pptx
@@ -4028,6 +4028,13 @@
   <p:clrMapOvr>
     <a:masterClrMapping/>
   </p:clrMapOvr>
+  <p:timing>
+    <p:tnLst>
+      <p:par>
+        <p:cTn id="1" dur="indefinite" restart="never" nodeType="tmRoot"/>
+      </p:par>
+    </p:tnLst>
+  </p:timing>
 </p:sld>
 </file>
 
@@ -4357,6 +4364,13 @@
   <p:clrMapOvr>
     <a:masterClrMapping/>
   </p:clrMapOvr>
+  <p:timing>
+    <p:tnLst>
+      <p:par>
+        <p:cTn id="1" dur="indefinite" restart="never" nodeType="tmRoot"/>
+      </p:par>
+    </p:tnLst>
+  </p:timing>
 </p:sld>
 </file>
 
@@ -4428,73 +4442,57 @@
                 <a:latin typeface="Times New Roman" panose="02020603050405020304" pitchFamily="18" charset="0"/>
                 <a:cs typeface="Times New Roman" panose="02020603050405020304" pitchFamily="18" charset="0"/>
               </a:rPr>
-              <a:t>Project </a:t>
-            </a:r>
+              <a:t>Project Description</a:t>
+            </a:r>
+          </a:p>
+          <a:p>
             <a:r>
               <a:rPr lang="en-US" dirty="0" smtClean="0">
                 <a:latin typeface="Times New Roman" panose="02020603050405020304" pitchFamily="18" charset="0"/>
                 <a:cs typeface="Times New Roman" panose="02020603050405020304" pitchFamily="18" charset="0"/>
               </a:rPr>
-              <a:t>Description</a:t>
+              <a:t>Architecture</a:t>
+            </a:r>
+          </a:p>
+          <a:p>
+            <a:r>
+              <a:rPr lang="en-US" dirty="0" smtClean="0">
+                <a:latin typeface="Times New Roman" panose="02020603050405020304" pitchFamily="18" charset="0"/>
+                <a:cs typeface="Times New Roman" panose="02020603050405020304" pitchFamily="18" charset="0"/>
+              </a:rPr>
+              <a:t>LIN Sub-network</a:t>
+            </a:r>
+          </a:p>
+          <a:p>
+            <a:r>
+              <a:rPr lang="en-US" dirty="0" smtClean="0">
+                <a:latin typeface="Times New Roman" panose="02020603050405020304" pitchFamily="18" charset="0"/>
+                <a:cs typeface="Times New Roman" panose="02020603050405020304" pitchFamily="18" charset="0"/>
+              </a:rPr>
+              <a:t>CAN Sub-network</a:t>
+            </a:r>
+          </a:p>
+          <a:p>
+            <a:r>
+              <a:rPr lang="en-US" dirty="0" smtClean="0">
+                <a:latin typeface="Times New Roman" panose="02020603050405020304" pitchFamily="18" charset="0"/>
+                <a:cs typeface="Times New Roman" panose="02020603050405020304" pitchFamily="18" charset="0"/>
+              </a:rPr>
+              <a:t>Cellular Sub-network</a:t>
+            </a:r>
+          </a:p>
+          <a:p>
+            <a:r>
+              <a:rPr lang="en-US" dirty="0" smtClean="0">
+                <a:latin typeface="Times New Roman" panose="02020603050405020304" pitchFamily="18" charset="0"/>
+                <a:cs typeface="Times New Roman" panose="02020603050405020304" pitchFamily="18" charset="0"/>
+              </a:rPr>
+              <a:t>Demonstration</a:t>
             </a:r>
             <a:endParaRPr lang="en-US" dirty="0" smtClean="0">
               <a:latin typeface="Times New Roman" panose="02020603050405020304" pitchFamily="18" charset="0"/>
               <a:cs typeface="Times New Roman" panose="02020603050405020304" pitchFamily="18" charset="0"/>
             </a:endParaRPr>
-          </a:p>
-          <a:p>
-            <a:r>
-              <a:rPr lang="en-US" dirty="0" smtClean="0">
-                <a:latin typeface="Times New Roman" panose="02020603050405020304" pitchFamily="18" charset="0"/>
-                <a:cs typeface="Times New Roman" panose="02020603050405020304" pitchFamily="18" charset="0"/>
-              </a:rPr>
-              <a:t>Architecture</a:t>
-            </a:r>
-          </a:p>
-          <a:p>
-            <a:r>
-              <a:rPr lang="en-US" dirty="0" smtClean="0">
-                <a:latin typeface="Times New Roman" panose="02020603050405020304" pitchFamily="18" charset="0"/>
-                <a:cs typeface="Times New Roman" panose="02020603050405020304" pitchFamily="18" charset="0"/>
-              </a:rPr>
-              <a:t>LIN Sub-network</a:t>
-            </a:r>
-          </a:p>
-          <a:p>
-            <a:r>
-              <a:rPr lang="en-US" dirty="0" smtClean="0">
-                <a:latin typeface="Times New Roman" panose="02020603050405020304" pitchFamily="18" charset="0"/>
-                <a:cs typeface="Times New Roman" panose="02020603050405020304" pitchFamily="18" charset="0"/>
-              </a:rPr>
-              <a:t>CAN Sub-network</a:t>
-            </a:r>
-          </a:p>
-          <a:p>
-            <a:r>
-              <a:rPr lang="en-US" dirty="0" smtClean="0">
-                <a:latin typeface="Times New Roman" panose="02020603050405020304" pitchFamily="18" charset="0"/>
-                <a:cs typeface="Times New Roman" panose="02020603050405020304" pitchFamily="18" charset="0"/>
-              </a:rPr>
-              <a:t>Cellular Sub-network</a:t>
-            </a:r>
-          </a:p>
-          <a:p>
-            <a:r>
-              <a:rPr lang="en-US" dirty="0" smtClean="0">
-                <a:latin typeface="Times New Roman" panose="02020603050405020304" pitchFamily="18" charset="0"/>
-                <a:cs typeface="Times New Roman" panose="02020603050405020304" pitchFamily="18" charset="0"/>
-              </a:rPr>
-              <a:t>Challenges Faced</a:t>
-            </a:r>
-          </a:p>
-          <a:p>
-            <a:r>
-              <a:rPr lang="en-US" dirty="0" smtClean="0">
-                <a:latin typeface="Times New Roman" panose="02020603050405020304" pitchFamily="18" charset="0"/>
-                <a:cs typeface="Times New Roman" panose="02020603050405020304" pitchFamily="18" charset="0"/>
-              </a:rPr>
-              <a:t>Demonstration</a:t>
-            </a:r>
           </a:p>
           <a:p>
             <a:r>
@@ -4857,14 +4855,7 @@
                 <a:latin typeface="Times New Roman" panose="02020603050405020304" pitchFamily="18" charset="0"/>
                 <a:cs typeface="Times New Roman" panose="02020603050405020304" pitchFamily="18" charset="0"/>
               </a:rPr>
-              <a:t>The project was to construct an exterior lighting system prototype for a Ford truck</a:t>
-            </a:r>
-            <a:r>
-              <a:rPr lang="en-US" sz="2400" dirty="0" smtClean="0">
-                <a:latin typeface="Times New Roman" panose="02020603050405020304" pitchFamily="18" charset="0"/>
-                <a:cs typeface="Times New Roman" panose="02020603050405020304" pitchFamily="18" charset="0"/>
-              </a:rPr>
-              <a:t>.</a:t>
+              <a:t>The project was to construct an exterior lighting system prototype for a Ford truck.</a:t>
             </a:r>
           </a:p>
           <a:p>
@@ -4932,7 +4923,21 @@
                 <a:latin typeface="Times New Roman" panose="02020603050405020304" pitchFamily="18" charset="0"/>
                 <a:cs typeface="Times New Roman" panose="02020603050405020304" pitchFamily="18" charset="0"/>
               </a:rPr>
-              <a:t>Utilize communication protocols that are the current standard in the automotive industry</a:t>
+              <a:t>Utilize communication protocols that are </a:t>
+            </a:r>
+            <a:r>
+              <a:rPr lang="en-US" sz="2000" dirty="0" smtClean="0">
+                <a:latin typeface="Times New Roman" panose="02020603050405020304" pitchFamily="18" charset="0"/>
+                <a:cs typeface="Times New Roman" panose="02020603050405020304" pitchFamily="18" charset="0"/>
+              </a:rPr>
+              <a:t>current standards </a:t>
+            </a:r>
+            <a:r>
+              <a:rPr lang="en-US" sz="2000" dirty="0" smtClean="0">
+                <a:latin typeface="Times New Roman" panose="02020603050405020304" pitchFamily="18" charset="0"/>
+                <a:cs typeface="Times New Roman" panose="02020603050405020304" pitchFamily="18" charset="0"/>
+              </a:rPr>
+              <a:t>in the automotive industry</a:t>
             </a:r>
           </a:p>
           <a:p>
@@ -5666,15 +5671,99 @@
                 <a:latin typeface="Times New Roman" panose="02020603050405020304" pitchFamily="18" charset="0"/>
                 <a:cs typeface="Times New Roman" panose="02020603050405020304" pitchFamily="18" charset="0"/>
               </a:rPr>
-              <a:t>LIN was chosen as it is cheap, single wire communication and is a common protocol used for vehicle subsystems where the range of CAN is not required</a:t>
-            </a:r>
-          </a:p>
-          <a:p>
+              <a:t>LIN was chosen as it </a:t>
+            </a:r>
             <a:r>
               <a:rPr lang="en-US" dirty="0" smtClean="0">
                 <a:latin typeface="Times New Roman" panose="02020603050405020304" pitchFamily="18" charset="0"/>
                 <a:cs typeface="Times New Roman" panose="02020603050405020304" pitchFamily="18" charset="0"/>
               </a:rPr>
+              <a:t>is a cheap</a:t>
+            </a:r>
+            <a:r>
+              <a:rPr lang="en-US" dirty="0" smtClean="0">
+                <a:latin typeface="Times New Roman" panose="02020603050405020304" pitchFamily="18" charset="0"/>
+                <a:cs typeface="Times New Roman" panose="02020603050405020304" pitchFamily="18" charset="0"/>
+              </a:rPr>
+              <a:t>, </a:t>
+            </a:r>
+            <a:r>
+              <a:rPr lang="en-US" dirty="0" smtClean="0">
+                <a:latin typeface="Times New Roman" panose="02020603050405020304" pitchFamily="18" charset="0"/>
+                <a:cs typeface="Times New Roman" panose="02020603050405020304" pitchFamily="18" charset="0"/>
+              </a:rPr>
+              <a:t>single </a:t>
+            </a:r>
+            <a:r>
+              <a:rPr lang="en-US" dirty="0" smtClean="0">
+                <a:latin typeface="Times New Roman" panose="02020603050405020304" pitchFamily="18" charset="0"/>
+                <a:cs typeface="Times New Roman" panose="02020603050405020304" pitchFamily="18" charset="0"/>
+              </a:rPr>
+              <a:t>wire communication </a:t>
+            </a:r>
+            <a:r>
+              <a:rPr lang="en-US" dirty="0" smtClean="0">
+                <a:latin typeface="Times New Roman" panose="02020603050405020304" pitchFamily="18" charset="0"/>
+                <a:cs typeface="Times New Roman" panose="02020603050405020304" pitchFamily="18" charset="0"/>
+              </a:rPr>
+              <a:t>standard and </a:t>
+            </a:r>
+            <a:r>
+              <a:rPr lang="en-US" dirty="0" smtClean="0">
+                <a:latin typeface="Times New Roman" panose="02020603050405020304" pitchFamily="18" charset="0"/>
+                <a:cs typeface="Times New Roman" panose="02020603050405020304" pitchFamily="18" charset="0"/>
+              </a:rPr>
+              <a:t>is </a:t>
+            </a:r>
+            <a:r>
+              <a:rPr lang="en-US" dirty="0" smtClean="0">
+                <a:latin typeface="Times New Roman" panose="02020603050405020304" pitchFamily="18" charset="0"/>
+                <a:cs typeface="Times New Roman" panose="02020603050405020304" pitchFamily="18" charset="0"/>
+              </a:rPr>
+              <a:t>commonly </a:t>
+            </a:r>
+            <a:r>
+              <a:rPr lang="en-US" dirty="0" smtClean="0">
+                <a:latin typeface="Times New Roman" panose="02020603050405020304" pitchFamily="18" charset="0"/>
+                <a:cs typeface="Times New Roman" panose="02020603050405020304" pitchFamily="18" charset="0"/>
+              </a:rPr>
+              <a:t>used for vehicle subsystems where the </a:t>
+            </a:r>
+            <a:r>
+              <a:rPr lang="en-US" dirty="0" smtClean="0">
+                <a:latin typeface="Times New Roman" panose="02020603050405020304" pitchFamily="18" charset="0"/>
+                <a:cs typeface="Times New Roman" panose="02020603050405020304" pitchFamily="18" charset="0"/>
+              </a:rPr>
+              <a:t>range and speed </a:t>
+            </a:r>
+            <a:r>
+              <a:rPr lang="en-US" dirty="0" smtClean="0">
+                <a:latin typeface="Times New Roman" panose="02020603050405020304" pitchFamily="18" charset="0"/>
+                <a:cs typeface="Times New Roman" panose="02020603050405020304" pitchFamily="18" charset="0"/>
+              </a:rPr>
+              <a:t>of CAN </a:t>
+            </a:r>
+            <a:r>
+              <a:rPr lang="en-US" dirty="0" smtClean="0">
+                <a:latin typeface="Times New Roman" panose="02020603050405020304" pitchFamily="18" charset="0"/>
+                <a:cs typeface="Times New Roman" panose="02020603050405020304" pitchFamily="18" charset="0"/>
+              </a:rPr>
+              <a:t>are </a:t>
+            </a:r>
+            <a:r>
+              <a:rPr lang="en-US" dirty="0" smtClean="0">
+                <a:latin typeface="Times New Roman" panose="02020603050405020304" pitchFamily="18" charset="0"/>
+                <a:cs typeface="Times New Roman" panose="02020603050405020304" pitchFamily="18" charset="0"/>
+              </a:rPr>
+              <a:t>not required</a:t>
+            </a:r>
+          </a:p>
+          <a:p>
+            <a:r>
+              <a:rPr lang="en-US" dirty="0" smtClean="0">
+                <a:latin typeface="Times New Roman" panose="02020603050405020304" pitchFamily="18" charset="0"/>
+                <a:cs typeface="Times New Roman" panose="02020603050405020304" pitchFamily="18" charset="0"/>
+              </a:rPr>
               <a:t>The LIN sub-network consists of 9 nodes (max 16) that talk to a single master node</a:t>
             </a:r>
           </a:p>
@@ -5684,25 +5773,67 @@
                 <a:latin typeface="Times New Roman" panose="02020603050405020304" pitchFamily="18" charset="0"/>
                 <a:cs typeface="Times New Roman" panose="02020603050405020304" pitchFamily="18" charset="0"/>
               </a:rPr>
-              <a:t>Master node is an Atmel ATTiny167 </a:t>
-            </a:r>
-          </a:p>
-          <a:p>
+              <a:t>Master node </a:t>
+            </a:r>
             <a:r>
               <a:rPr lang="en-US" dirty="0" smtClean="0">
                 <a:latin typeface="Times New Roman" panose="02020603050405020304" pitchFamily="18" charset="0"/>
                 <a:cs typeface="Times New Roman" panose="02020603050405020304" pitchFamily="18" charset="0"/>
               </a:rPr>
-              <a:t>Slave nodes are custom made PCBs that are mounted on the test frame along with a servo and LED module</a:t>
-            </a:r>
-          </a:p>
-          <a:p>
+              <a:t>utilizes a Atmel </a:t>
+            </a:r>
             <a:r>
               <a:rPr lang="en-US" dirty="0" smtClean="0">
                 <a:latin typeface="Times New Roman" panose="02020603050405020304" pitchFamily="18" charset="0"/>
                 <a:cs typeface="Times New Roman" panose="02020603050405020304" pitchFamily="18" charset="0"/>
               </a:rPr>
-              <a:t>7 180° servos (</a:t>
+              <a:t>ATTiny167 </a:t>
+            </a:r>
+          </a:p>
+          <a:p>
+            <a:r>
+              <a:rPr lang="en-US" dirty="0" smtClean="0">
+                <a:latin typeface="Times New Roman" panose="02020603050405020304" pitchFamily="18" charset="0"/>
+                <a:cs typeface="Times New Roman" panose="02020603050405020304" pitchFamily="18" charset="0"/>
+              </a:rPr>
+              <a:t>Slave nodes </a:t>
+            </a:r>
+            <a:r>
+              <a:rPr lang="en-US" dirty="0" smtClean="0">
+                <a:latin typeface="Times New Roman" panose="02020603050405020304" pitchFamily="18" charset="0"/>
+                <a:cs typeface="Times New Roman" panose="02020603050405020304" pitchFamily="18" charset="0"/>
+              </a:rPr>
+              <a:t>utilize </a:t>
+            </a:r>
+            <a:r>
+              <a:rPr lang="en-US" dirty="0" smtClean="0">
+                <a:latin typeface="Times New Roman" panose="02020603050405020304" pitchFamily="18" charset="0"/>
+                <a:cs typeface="Times New Roman" panose="02020603050405020304" pitchFamily="18" charset="0"/>
+              </a:rPr>
+              <a:t>custom made PCBs that are mounted on the test frame along with a servo and LED module</a:t>
+            </a:r>
+          </a:p>
+          <a:p>
+            <a:r>
+              <a:rPr lang="en-US" dirty="0" smtClean="0">
+                <a:latin typeface="Times New Roman" panose="02020603050405020304" pitchFamily="18" charset="0"/>
+                <a:cs typeface="Times New Roman" panose="02020603050405020304" pitchFamily="18" charset="0"/>
+              </a:rPr>
+              <a:t>7 </a:t>
+            </a:r>
+            <a:r>
+              <a:rPr lang="en-US" dirty="0" smtClean="0">
+                <a:latin typeface="Times New Roman" panose="02020603050405020304" pitchFamily="18" charset="0"/>
+                <a:cs typeface="Times New Roman" panose="02020603050405020304" pitchFamily="18" charset="0"/>
+              </a:rPr>
+              <a:t>x 180</a:t>
+            </a:r>
+            <a:r>
+              <a:rPr lang="en-US" dirty="0" smtClean="0">
+                <a:latin typeface="Times New Roman" panose="02020603050405020304" pitchFamily="18" charset="0"/>
+                <a:cs typeface="Times New Roman" panose="02020603050405020304" pitchFamily="18" charset="0"/>
+              </a:rPr>
+              <a:t>° servos (</a:t>
             </a:r>
             <a:r>
               <a:rPr lang="en-US" dirty="0" err="1" smtClean="0">
@@ -5716,17 +5847,81 @@
                 <a:latin typeface="Times New Roman" panose="02020603050405020304" pitchFamily="18" charset="0"/>
                 <a:cs typeface="Times New Roman" panose="02020603050405020304" pitchFamily="18" charset="0"/>
               </a:rPr>
-              <a:t> MG995)</a:t>
-            </a:r>
-          </a:p>
-          <a:p>
+              <a:t> MG995</a:t>
+            </a:r>
             <a:r>
               <a:rPr lang="en-US" dirty="0" smtClean="0">
                 <a:latin typeface="Times New Roman" panose="02020603050405020304" pitchFamily="18" charset="0"/>
                 <a:cs typeface="Times New Roman" panose="02020603050405020304" pitchFamily="18" charset="0"/>
               </a:rPr>
-              <a:t>9 Light Modules (Cree XML) </a:t>
-            </a:r>
+              <a:t>), </a:t>
+            </a:r>
+            <a:r>
+              <a:rPr lang="en-US" dirty="0">
+                <a:latin typeface="Times New Roman" panose="02020603050405020304" pitchFamily="18" charset="0"/>
+                <a:cs typeface="Times New Roman" panose="02020603050405020304" pitchFamily="18" charset="0"/>
+              </a:rPr>
+              <a:t>2 </a:t>
+            </a:r>
+            <a:r>
+              <a:rPr lang="en-US" dirty="0" smtClean="0">
+                <a:latin typeface="Times New Roman" panose="02020603050405020304" pitchFamily="18" charset="0"/>
+                <a:cs typeface="Times New Roman" panose="02020603050405020304" pitchFamily="18" charset="0"/>
+              </a:rPr>
+              <a:t>x 360 </a:t>
+            </a:r>
+            <a:r>
+              <a:rPr lang="en-US" dirty="0">
+                <a:latin typeface="Times New Roman" panose="02020603050405020304" pitchFamily="18" charset="0"/>
+                <a:cs typeface="Times New Roman" panose="02020603050405020304" pitchFamily="18" charset="0"/>
+              </a:rPr>
+              <a:t>° servos </a:t>
+            </a:r>
+            <a:r>
+              <a:rPr lang="en-US" dirty="0" smtClean="0">
+                <a:latin typeface="Times New Roman" panose="02020603050405020304" pitchFamily="18" charset="0"/>
+                <a:cs typeface="Times New Roman" panose="02020603050405020304" pitchFamily="18" charset="0"/>
+              </a:rPr>
+              <a:t>(</a:t>
+            </a:r>
+            <a:r>
+              <a:rPr lang="en-US" dirty="0" err="1" smtClean="0">
+                <a:latin typeface="Times New Roman" panose="02020603050405020304" pitchFamily="18" charset="0"/>
+                <a:cs typeface="Times New Roman" panose="02020603050405020304" pitchFamily="18" charset="0"/>
+              </a:rPr>
+              <a:t>Joysway</a:t>
+            </a:r>
+            <a:r>
+              <a:rPr lang="en-US" dirty="0" smtClean="0">
+                <a:latin typeface="Times New Roman" panose="02020603050405020304" pitchFamily="18" charset="0"/>
+                <a:cs typeface="Times New Roman" panose="02020603050405020304" pitchFamily="18" charset="0"/>
+              </a:rPr>
+              <a:t> Sail Servos)</a:t>
+            </a:r>
+            <a:endParaRPr lang="en-US" dirty="0" smtClean="0">
+              <a:latin typeface="Times New Roman" panose="02020603050405020304" pitchFamily="18" charset="0"/>
+              <a:cs typeface="Times New Roman" panose="02020603050405020304" pitchFamily="18" charset="0"/>
+            </a:endParaRPr>
+          </a:p>
+          <a:p>
+            <a:r>
+              <a:rPr lang="en-US" dirty="0" smtClean="0">
+                <a:latin typeface="Times New Roman" panose="02020603050405020304" pitchFamily="18" charset="0"/>
+                <a:cs typeface="Times New Roman" panose="02020603050405020304" pitchFamily="18" charset="0"/>
+              </a:rPr>
+              <a:t>9 Light Modules (Cree </a:t>
+            </a:r>
+            <a:r>
+              <a:rPr lang="en-US" dirty="0" smtClean="0">
+                <a:latin typeface="Times New Roman" panose="02020603050405020304" pitchFamily="18" charset="0"/>
+                <a:cs typeface="Times New Roman" panose="02020603050405020304" pitchFamily="18" charset="0"/>
+              </a:rPr>
+              <a:t>X-ML, capable of 100 lumens) </a:t>
+            </a:r>
+            <a:endParaRPr lang="en-US" dirty="0" smtClean="0">
+              <a:latin typeface="Times New Roman" panose="02020603050405020304" pitchFamily="18" charset="0"/>
+              <a:cs typeface="Times New Roman" panose="02020603050405020304" pitchFamily="18" charset="0"/>
+            </a:endParaRPr>
           </a:p>
         </p:txBody>
       </p:sp>
@@ -6004,6 +6199,13 @@
   <p:clrMapOvr>
     <a:masterClrMapping/>
   </p:clrMapOvr>
+  <p:timing>
+    <p:tnLst>
+      <p:par>
+        <p:cTn id="1" dur="indefinite" restart="never" nodeType="tmRoot"/>
+      </p:par>
+    </p:tnLst>
+  </p:timing>
 </p:sld>
 </file>
 
@@ -6590,6 +6792,13 @@
   <p:clrMapOvr>
     <a:masterClrMapping/>
   </p:clrMapOvr>
+  <p:timing>
+    <p:tnLst>
+      <p:par>
+        <p:cTn id="1" dur="indefinite" restart="never" nodeType="tmRoot"/>
+      </p:par>
+    </p:tnLst>
+  </p:timing>
 </p:sld>
 </file>
 
@@ -6667,15 +6876,29 @@
                 <a:latin typeface="Times New Roman" panose="02020603050405020304" pitchFamily="18" charset="0"/>
                 <a:cs typeface="Times New Roman" panose="02020603050405020304" pitchFamily="18" charset="0"/>
               </a:rPr>
-              <a:t>CAN was chosen as it is reliable over long distances, gives a larger diversity over the range of messages it can identify and process and is the standard for modern vehicle communication.</a:t>
-            </a:r>
-          </a:p>
-          <a:p>
+              <a:t>CAN was chosen as it is reliable over long distances, gives a larger diversity over the range of messages it can identify and </a:t>
+            </a:r>
             <a:r>
               <a:rPr lang="en-US" dirty="0" smtClean="0">
                 <a:latin typeface="Times New Roman" panose="02020603050405020304" pitchFamily="18" charset="0"/>
                 <a:cs typeface="Times New Roman" panose="02020603050405020304" pitchFamily="18" charset="0"/>
               </a:rPr>
+              <a:t>process and </a:t>
+            </a:r>
+            <a:r>
+              <a:rPr lang="en-US" dirty="0" smtClean="0">
+                <a:latin typeface="Times New Roman" panose="02020603050405020304" pitchFamily="18" charset="0"/>
+                <a:cs typeface="Times New Roman" panose="02020603050405020304" pitchFamily="18" charset="0"/>
+              </a:rPr>
+              <a:t>is the standard for modern vehicle communication.</a:t>
+            </a:r>
+          </a:p>
+          <a:p>
+            <a:r>
+              <a:rPr lang="en-US" dirty="0" smtClean="0">
+                <a:latin typeface="Times New Roman" panose="02020603050405020304" pitchFamily="18" charset="0"/>
+                <a:cs typeface="Times New Roman" panose="02020603050405020304" pitchFamily="18" charset="0"/>
+              </a:rPr>
               <a:t>To reduce CAN overhead, we talk to a MCP25625 CAN controller through the </a:t>
             </a:r>
             <a:r>
@@ -6690,16 +6913,65 @@
                 <a:latin typeface="Times New Roman" panose="02020603050405020304" pitchFamily="18" charset="0"/>
                 <a:cs typeface="Times New Roman" panose="02020603050405020304" pitchFamily="18" charset="0"/>
               </a:rPr>
-              <a:t> 167 Master Node using SPI (Serial Peripheral Interface)</a:t>
-            </a:r>
-          </a:p>
-          <a:p>
+              <a:t> 167 Master Node </a:t>
+            </a:r>
             <a:r>
               <a:rPr lang="en-US" dirty="0" smtClean="0">
                 <a:latin typeface="Times New Roman" panose="02020603050405020304" pitchFamily="18" charset="0"/>
                 <a:cs typeface="Times New Roman" panose="02020603050405020304" pitchFamily="18" charset="0"/>
               </a:rPr>
-              <a:t>The CAN Controller independently handles the transmit, receive and error detection for each CAN message and notifies the master accordingly.</a:t>
+              <a:t>via SPI </a:t>
+            </a:r>
+            <a:r>
+              <a:rPr lang="en-US" dirty="0" smtClean="0">
+                <a:latin typeface="Times New Roman" panose="02020603050405020304" pitchFamily="18" charset="0"/>
+                <a:cs typeface="Times New Roman" panose="02020603050405020304" pitchFamily="18" charset="0"/>
+              </a:rPr>
+              <a:t>(Serial Peripheral Interface)</a:t>
+            </a:r>
+          </a:p>
+          <a:p>
+            <a:r>
+              <a:rPr lang="en-US" dirty="0" smtClean="0">
+                <a:latin typeface="Times New Roman" panose="02020603050405020304" pitchFamily="18" charset="0"/>
+                <a:cs typeface="Times New Roman" panose="02020603050405020304" pitchFamily="18" charset="0"/>
+              </a:rPr>
+              <a:t>The CAN Controller independently handles the transmit, receive and error detection for each CAN message and notifies the </a:t>
+            </a:r>
+            <a:r>
+              <a:rPr lang="en-US" dirty="0" err="1">
+                <a:latin typeface="Times New Roman" panose="02020603050405020304" pitchFamily="18" charset="0"/>
+                <a:cs typeface="Times New Roman" panose="02020603050405020304" pitchFamily="18" charset="0"/>
+              </a:rPr>
+              <a:t>ATTiny</a:t>
+            </a:r>
+            <a:r>
+              <a:rPr lang="en-US" dirty="0">
+                <a:latin typeface="Times New Roman" panose="02020603050405020304" pitchFamily="18" charset="0"/>
+                <a:cs typeface="Times New Roman" panose="02020603050405020304" pitchFamily="18" charset="0"/>
+              </a:rPr>
+              <a:t> 167 </a:t>
+            </a:r>
+            <a:r>
+              <a:rPr lang="en-US" dirty="0" smtClean="0">
+                <a:latin typeface="Times New Roman" panose="02020603050405020304" pitchFamily="18" charset="0"/>
+                <a:cs typeface="Times New Roman" panose="02020603050405020304" pitchFamily="18" charset="0"/>
+              </a:rPr>
+              <a:t>master node </a:t>
+            </a:r>
+            <a:r>
+              <a:rPr lang="en-US" dirty="0" smtClean="0">
+                <a:latin typeface="Times New Roman" panose="02020603050405020304" pitchFamily="18" charset="0"/>
+                <a:cs typeface="Times New Roman" panose="02020603050405020304" pitchFamily="18" charset="0"/>
+              </a:rPr>
+              <a:t>accordingly</a:t>
+            </a:r>
+            <a:r>
+              <a:rPr lang="en-US" dirty="0" smtClean="0">
+                <a:latin typeface="Times New Roman" panose="02020603050405020304" pitchFamily="18" charset="0"/>
+                <a:cs typeface="Times New Roman" panose="02020603050405020304" pitchFamily="18" charset="0"/>
+              </a:rPr>
+              <a:t>.</a:t>
             </a:r>
             <a:endParaRPr lang="en-US" dirty="0">
               <a:latin typeface="Times New Roman" panose="02020603050405020304" pitchFamily="18" charset="0"/>
@@ -6982,6 +7254,13 @@
   <p:clrMapOvr>
     <a:masterClrMapping/>
   </p:clrMapOvr>
+  <p:timing>
+    <p:tnLst>
+      <p:par>
+        <p:cTn id="1" dur="indefinite" restart="never" nodeType="tmRoot"/>
+      </p:par>
+    </p:tnLst>
+  </p:timing>
 </p:sld>
 </file>
 
@@ -7432,6 +7711,13 @@
   <p:clrMapOvr>
     <a:masterClrMapping/>
   </p:clrMapOvr>
+  <p:timing>
+    <p:tnLst>
+      <p:par>
+        <p:cTn id="1" dur="indefinite" restart="never" nodeType="tmRoot"/>
+      </p:par>
+    </p:tnLst>
+  </p:timing>
 </p:sld>
 </file>
 
@@ -7774,6 +8060,13 @@
   <p:clrMapOvr>
     <a:masterClrMapping/>
   </p:clrMapOvr>
+  <p:timing>
+    <p:tnLst>
+      <p:par>
+        <p:cTn id="1" dur="indefinite" restart="never" nodeType="tmRoot"/>
+      </p:par>
+    </p:tnLst>
+  </p:timing>
 </p:sld>
 </file>
 
